--- a/2024-11-21-VSLiveOrlando-BackgroundOnBackgroundTasks/Background-On-Background-Tasks-In-DotNet9.pptx
+++ b/2024-11-21-VSLiveOrlando-BackgroundOnBackgroundTasks/Background-On-Background-Tasks-In-DotNet9.pptx
@@ -451,7 +451,7 @@
               <a:pPr>
                 <a:defRPr/>
               </a:pPr>
-              <a:t>11/2/2024</a:t>
+              <a:t>11/10/2024</a:t>
             </a:fld>
             <a:endParaRPr lang="en-US"/>
           </a:p>
@@ -1346,7 +1346,7 @@
               <a:pPr>
                 <a:defRPr/>
               </a:pPr>
-              <a:t>11/2/2024</a:t>
+              <a:t>11/10/2024</a:t>
             </a:fld>
             <a:endParaRPr lang="en-US"/>
           </a:p>
@@ -1503,7 +1503,7 @@
               <a:pPr>
                 <a:defRPr/>
               </a:pPr>
-              <a:t>11/2/2024</a:t>
+              <a:t>11/10/2024</a:t>
             </a:fld>
             <a:endParaRPr lang="en-US"/>
           </a:p>
@@ -1670,7 +1670,7 @@
               <a:pPr>
                 <a:defRPr/>
               </a:pPr>
-              <a:t>11/2/2024</a:t>
+              <a:t>11/10/2024</a:t>
             </a:fld>
             <a:endParaRPr lang="en-US"/>
           </a:p>
@@ -1900,7 +1900,7 @@
               <a:pPr>
                 <a:defRPr/>
               </a:pPr>
-              <a:t>11/2/2024</a:t>
+              <a:t>11/10/2024</a:t>
             </a:fld>
             <a:endParaRPr lang="en-US"/>
           </a:p>
@@ -2067,7 +2067,7 @@
               <a:pPr>
                 <a:defRPr/>
               </a:pPr>
-              <a:t>11/2/2024</a:t>
+              <a:t>11/10/2024</a:t>
             </a:fld>
             <a:endParaRPr lang="en-US" dirty="0"/>
           </a:p>
@@ -2301,7 +2301,7 @@
               <a:pPr>
                 <a:defRPr/>
               </a:pPr>
-              <a:t>11/2/2024</a:t>
+              <a:t>11/10/2024</a:t>
             </a:fld>
             <a:endParaRPr lang="en-US"/>
           </a:p>
@@ -2575,7 +2575,7 @@
               <a:pPr>
                 <a:defRPr/>
               </a:pPr>
-              <a:t>11/2/2024</a:t>
+              <a:t>11/10/2024</a:t>
             </a:fld>
             <a:endParaRPr lang="en-US"/>
           </a:p>
@@ -2988,7 +2988,7 @@
               <a:pPr>
                 <a:defRPr/>
               </a:pPr>
-              <a:t>11/2/2024</a:t>
+              <a:t>11/10/2024</a:t>
             </a:fld>
             <a:endParaRPr lang="en-US"/>
           </a:p>
@@ -3094,7 +3094,7 @@
               <a:pPr>
                 <a:defRPr/>
               </a:pPr>
-              <a:t>11/2/2024</a:t>
+              <a:t>11/10/2024</a:t>
             </a:fld>
             <a:endParaRPr lang="en-US"/>
           </a:p>
@@ -3178,7 +3178,7 @@
               <a:pPr>
                 <a:defRPr/>
               </a:pPr>
-              <a:t>11/2/2024</a:t>
+              <a:t>11/10/2024</a:t>
             </a:fld>
             <a:endParaRPr lang="en-US"/>
           </a:p>
@@ -3442,7 +3442,7 @@
               <a:pPr>
                 <a:defRPr/>
               </a:pPr>
-              <a:t>11/2/2024</a:t>
+              <a:t>11/10/2024</a:t>
             </a:fld>
             <a:endParaRPr lang="en-US"/>
           </a:p>
@@ -3607,7 +3607,7 @@
               <a:pPr>
                 <a:defRPr/>
               </a:pPr>
-              <a:t>11/2/2024</a:t>
+              <a:t>11/10/2024</a:t>
             </a:fld>
             <a:endParaRPr lang="en-US" dirty="0"/>
           </a:p>
@@ -3854,7 +3854,7 @@
               <a:pPr>
                 <a:defRPr/>
               </a:pPr>
-              <a:t>11/2/2024</a:t>
+              <a:t>11/10/2024</a:t>
             </a:fld>
             <a:endParaRPr lang="en-US"/>
           </a:p>
@@ -4011,7 +4011,7 @@
               <a:pPr>
                 <a:defRPr/>
               </a:pPr>
-              <a:t>11/2/2024</a:t>
+              <a:t>11/10/2024</a:t>
             </a:fld>
             <a:endParaRPr lang="en-US"/>
           </a:p>
@@ -4178,7 +4178,7 @@
               <a:pPr>
                 <a:defRPr/>
               </a:pPr>
-              <a:t>11/2/2024</a:t>
+              <a:t>11/10/2024</a:t>
             </a:fld>
             <a:endParaRPr lang="en-US"/>
           </a:p>
@@ -4412,7 +4412,7 @@
               <a:pPr>
                 <a:defRPr/>
               </a:pPr>
-              <a:t>11/2/2024</a:t>
+              <a:t>11/10/2024</a:t>
             </a:fld>
             <a:endParaRPr lang="en-US"/>
           </a:p>
@@ -4686,7 +4686,7 @@
               <a:pPr>
                 <a:defRPr/>
               </a:pPr>
-              <a:t>11/2/2024</a:t>
+              <a:t>11/10/2024</a:t>
             </a:fld>
             <a:endParaRPr lang="en-US"/>
           </a:p>
@@ -5099,7 +5099,7 @@
               <a:pPr>
                 <a:defRPr/>
               </a:pPr>
-              <a:t>11/2/2024</a:t>
+              <a:t>11/10/2024</a:t>
             </a:fld>
             <a:endParaRPr lang="en-US"/>
           </a:p>
@@ -5205,7 +5205,7 @@
               <a:pPr>
                 <a:defRPr/>
               </a:pPr>
-              <a:t>11/2/2024</a:t>
+              <a:t>11/10/2024</a:t>
             </a:fld>
             <a:endParaRPr lang="en-US"/>
           </a:p>
@@ -5289,7 +5289,7 @@
               <a:pPr>
                 <a:defRPr/>
               </a:pPr>
-              <a:t>11/2/2024</a:t>
+              <a:t>11/10/2024</a:t>
             </a:fld>
             <a:endParaRPr lang="en-US"/>
           </a:p>
@@ -5553,7 +5553,7 @@
               <a:pPr>
                 <a:defRPr/>
               </a:pPr>
-              <a:t>11/2/2024</a:t>
+              <a:t>11/10/2024</a:t>
             </a:fld>
             <a:endParaRPr lang="en-US"/>
           </a:p>
@@ -5797,7 +5797,7 @@
               <a:pPr>
                 <a:defRPr/>
               </a:pPr>
-              <a:t>11/2/2024</a:t>
+              <a:t>11/10/2024</a:t>
             </a:fld>
             <a:endParaRPr lang="en-US"/>
           </a:p>
@@ -6030,7 +6030,7 @@
               <a:pPr>
                 <a:defRPr/>
               </a:pPr>
-              <a:t>11/2/2024</a:t>
+              <a:t>11/10/2024</a:t>
             </a:fld>
             <a:endParaRPr lang="en-US"/>
           </a:p>
@@ -6709,7 +6709,7 @@
               <a:pPr>
                 <a:defRPr/>
               </a:pPr>
-              <a:t>11/2/2024</a:t>
+              <a:t>11/10/2024</a:t>
             </a:fld>
             <a:endParaRPr lang="en-US"/>
           </a:p>
@@ -20571,9 +20571,18 @@
           </a:p>
           <a:p>
             <a:r>
+              <a:rPr lang="en-US" sz="2600"/>
+              <a:t>https://github.com/scottsauber/talks</a:t>
+            </a:r>
+          </a:p>
+          <a:p>
+            <a:r>
               <a:rPr lang="en-US" sz="2600" dirty="0"/>
               <a:t>This slide deck</a:t>
             </a:r>
+          </a:p>
+          <a:p>
+            <a:endParaRPr lang="en-US" sz="2600" dirty="0"/>
           </a:p>
         </p:txBody>
       </p:sp>
@@ -20818,6 +20827,87 @@
                                           <p:spTgt spid="3">
                                             <p:txEl>
                                               <p:pRg st="2" end="2"/>
+                                            </p:txEl>
+                                          </p:spTgt>
+                                        </p:tgtEl>
+                                        <p:attrNameLst>
+                                          <p:attrName>ppt_c</p:attrName>
+                                        </p:attrNameLst>
+                                      </p:cBhvr>
+                                      <p:to>
+                                        <a:srgbClr val="B2B2B2"/>
+                                      </p:to>
+                                    </p:animClr>
+                                  </p:subTnLst>
+                                </p:cTn>
+                              </p:par>
+                            </p:childTnLst>
+                          </p:cTn>
+                        </p:par>
+                      </p:childTnLst>
+                    </p:cTn>
+                  </p:par>
+                  <p:par>
+                    <p:cTn id="18" fill="hold">
+                      <p:stCondLst>
+                        <p:cond delay="indefinite"/>
+                      </p:stCondLst>
+                      <p:childTnLst>
+                        <p:par>
+                          <p:cTn id="19" fill="hold">
+                            <p:stCondLst>
+                              <p:cond delay="0"/>
+                            </p:stCondLst>
+                            <p:childTnLst>
+                              <p:par>
+                                <p:cTn id="20" presetID="10" presetClass="entr" presetSubtype="0" fill="hold" grpId="0" nodeType="clickEffect">
+                                  <p:stCondLst>
+                                    <p:cond delay="0"/>
+                                  </p:stCondLst>
+                                  <p:childTnLst>
+                                    <p:set>
+                                      <p:cBhvr>
+                                        <p:cTn id="21" dur="1" fill="hold">
+                                          <p:stCondLst>
+                                            <p:cond delay="0"/>
+                                          </p:stCondLst>
+                                        </p:cTn>
+                                        <p:tgtEl>
+                                          <p:spTgt spid="3">
+                                            <p:txEl>
+                                              <p:pRg st="3" end="3"/>
+                                            </p:txEl>
+                                          </p:spTgt>
+                                        </p:tgtEl>
+                                        <p:attrNameLst>
+                                          <p:attrName>style.visibility</p:attrName>
+                                        </p:attrNameLst>
+                                      </p:cBhvr>
+                                      <p:to>
+                                        <p:strVal val="visible"/>
+                                      </p:to>
+                                    </p:set>
+                                    <p:animEffect transition="in" filter="fade">
+                                      <p:cBhvr>
+                                        <p:cTn id="22" dur="500"/>
+                                        <p:tgtEl>
+                                          <p:spTgt spid="3">
+                                            <p:txEl>
+                                              <p:pRg st="3" end="3"/>
+                                            </p:txEl>
+                                          </p:spTgt>
+                                        </p:tgtEl>
+                                      </p:cBhvr>
+                                    </p:animEffect>
+                                  </p:childTnLst>
+                                  <p:subTnLst>
+                                    <p:animClr clrSpc="rgb" dir="cw">
+                                      <p:cBhvr override="childStyle">
+                                        <p:cTn dur="1" fill="hold" display="0" masterRel="nextClick" afterEffect="1"/>
+                                        <p:tgtEl>
+                                          <p:spTgt spid="3">
+                                            <p:txEl>
+                                              <p:pRg st="3" end="3"/>
                                             </p:txEl>
                                           </p:spTgt>
                                         </p:tgtEl>

--- a/2024-11-21-VSLiveOrlando-BackgroundOnBackgroundTasks/Background-On-Background-Tasks-In-DotNet9.pptx
+++ b/2024-11-21-VSLiveOrlando-BackgroundOnBackgroundTasks/Background-On-Background-Tasks-In-DotNet9.pptx
@@ -6,55 +6,54 @@
     <p:sldMasterId id="2147483661" r:id="rId2"/>
   </p:sldMasterIdLst>
   <p:notesMasterIdLst>
-    <p:notesMasterId r:id="rId46"/>
+    <p:notesMasterId r:id="rId45"/>
   </p:notesMasterIdLst>
   <p:handoutMasterIdLst>
-    <p:handoutMasterId r:id="rId47"/>
+    <p:handoutMasterId r:id="rId46"/>
   </p:handoutMasterIdLst>
   <p:sldIdLst>
     <p:sldId id="258" r:id="rId3"/>
-    <p:sldId id="260" r:id="rId4"/>
-    <p:sldId id="259" r:id="rId5"/>
-    <p:sldId id="262" r:id="rId6"/>
-    <p:sldId id="263" r:id="rId7"/>
-    <p:sldId id="264" r:id="rId8"/>
-    <p:sldId id="265" r:id="rId9"/>
-    <p:sldId id="266" r:id="rId10"/>
-    <p:sldId id="267" r:id="rId11"/>
-    <p:sldId id="268" r:id="rId12"/>
-    <p:sldId id="269" r:id="rId13"/>
-    <p:sldId id="270" r:id="rId14"/>
-    <p:sldId id="271" r:id="rId15"/>
-    <p:sldId id="272" r:id="rId16"/>
-    <p:sldId id="273" r:id="rId17"/>
-    <p:sldId id="274" r:id="rId18"/>
-    <p:sldId id="275" r:id="rId19"/>
-    <p:sldId id="276" r:id="rId20"/>
-    <p:sldId id="277" r:id="rId21"/>
-    <p:sldId id="278" r:id="rId22"/>
-    <p:sldId id="279" r:id="rId23"/>
-    <p:sldId id="280" r:id="rId24"/>
-    <p:sldId id="281" r:id="rId25"/>
-    <p:sldId id="282" r:id="rId26"/>
-    <p:sldId id="283" r:id="rId27"/>
-    <p:sldId id="285" r:id="rId28"/>
-    <p:sldId id="284" r:id="rId29"/>
-    <p:sldId id="286" r:id="rId30"/>
-    <p:sldId id="287" r:id="rId31"/>
-    <p:sldId id="288" r:id="rId32"/>
-    <p:sldId id="289" r:id="rId33"/>
-    <p:sldId id="290" r:id="rId34"/>
-    <p:sldId id="291" r:id="rId35"/>
-    <p:sldId id="292" r:id="rId36"/>
-    <p:sldId id="293" r:id="rId37"/>
-    <p:sldId id="295" r:id="rId38"/>
-    <p:sldId id="294" r:id="rId39"/>
-    <p:sldId id="296" r:id="rId40"/>
-    <p:sldId id="297" r:id="rId41"/>
-    <p:sldId id="298" r:id="rId42"/>
-    <p:sldId id="299" r:id="rId43"/>
-    <p:sldId id="300" r:id="rId44"/>
-    <p:sldId id="261" r:id="rId45"/>
+    <p:sldId id="259" r:id="rId4"/>
+    <p:sldId id="262" r:id="rId5"/>
+    <p:sldId id="263" r:id="rId6"/>
+    <p:sldId id="264" r:id="rId7"/>
+    <p:sldId id="265" r:id="rId8"/>
+    <p:sldId id="266" r:id="rId9"/>
+    <p:sldId id="267" r:id="rId10"/>
+    <p:sldId id="268" r:id="rId11"/>
+    <p:sldId id="269" r:id="rId12"/>
+    <p:sldId id="270" r:id="rId13"/>
+    <p:sldId id="271" r:id="rId14"/>
+    <p:sldId id="272" r:id="rId15"/>
+    <p:sldId id="273" r:id="rId16"/>
+    <p:sldId id="274" r:id="rId17"/>
+    <p:sldId id="275" r:id="rId18"/>
+    <p:sldId id="276" r:id="rId19"/>
+    <p:sldId id="277" r:id="rId20"/>
+    <p:sldId id="278" r:id="rId21"/>
+    <p:sldId id="279" r:id="rId22"/>
+    <p:sldId id="280" r:id="rId23"/>
+    <p:sldId id="281" r:id="rId24"/>
+    <p:sldId id="282" r:id="rId25"/>
+    <p:sldId id="283" r:id="rId26"/>
+    <p:sldId id="285" r:id="rId27"/>
+    <p:sldId id="284" r:id="rId28"/>
+    <p:sldId id="286" r:id="rId29"/>
+    <p:sldId id="287" r:id="rId30"/>
+    <p:sldId id="288" r:id="rId31"/>
+    <p:sldId id="289" r:id="rId32"/>
+    <p:sldId id="290" r:id="rId33"/>
+    <p:sldId id="291" r:id="rId34"/>
+    <p:sldId id="292" r:id="rId35"/>
+    <p:sldId id="293" r:id="rId36"/>
+    <p:sldId id="295" r:id="rId37"/>
+    <p:sldId id="294" r:id="rId38"/>
+    <p:sldId id="296" r:id="rId39"/>
+    <p:sldId id="297" r:id="rId40"/>
+    <p:sldId id="298" r:id="rId41"/>
+    <p:sldId id="299" r:id="rId42"/>
+    <p:sldId id="300" r:id="rId43"/>
+    <p:sldId id="261" r:id="rId44"/>
   </p:sldIdLst>
   <p:sldSz cx="9144000" cy="5143500" type="screen16x9"/>
   <p:notesSz cx="6858000" cy="9144000"/>
@@ -451,7 +450,7 @@
               <a:pPr>
                 <a:defRPr/>
               </a:pPr>
-              <a:t>11/10/2024</a:t>
+              <a:t>11/20/2024</a:t>
             </a:fld>
             <a:endParaRPr lang="en-US"/>
           </a:p>
@@ -842,12 +841,78 @@
           </a:bodyPr>
           <a:lstStyle/>
           <a:p>
+            <a:r>
+              <a:rPr lang="en-US" dirty="0"/>
+              <a:t>Pre-check:</a:t>
+            </a:r>
+          </a:p>
+          <a:p>
+            <a:r>
+              <a:rPr lang="en-US" dirty="0"/>
+              <a:t>docker </a:t>
+            </a:r>
+            <a:r>
+              <a:rPr lang="en-US" dirty="0" err="1"/>
+              <a:t>ps</a:t>
+            </a:r>
+            <a:r>
+              <a:rPr lang="en-US" dirty="0"/>
+              <a:t> and then kill any running container</a:t>
+            </a:r>
+          </a:p>
+          <a:p>
+            <a:r>
+              <a:rPr lang="en-US" dirty="0"/>
+              <a:t>docker-compose down &amp;&amp; docker-compose up -d</a:t>
+            </a:r>
+          </a:p>
+          <a:p>
+            <a:r>
+              <a:rPr lang="en-US" dirty="0"/>
+              <a:t>Dotnet watch run</a:t>
+            </a:r>
+          </a:p>
+          <a:p>
+            <a:pPr marL="0" marR="0" lvl="0" indent="0" algn="l" defTabSz="914400" rtl="0" eaLnBrk="1" fontAlgn="auto" latinLnBrk="0" hangingPunct="1">
+              <a:lnSpc>
+                <a:spcPct val="100000"/>
+              </a:lnSpc>
+              <a:spcBef>
+                <a:spcPts val="0"/>
+              </a:spcBef>
+              <a:spcAft>
+                <a:spcPts val="0"/>
+              </a:spcAft>
+              <a:buClrTx/>
+              <a:buSzTx/>
+              <a:buFontTx/>
+              <a:buNone/>
+              <a:tabLst/>
+              <a:defRPr/>
+            </a:pPr>
+            <a:r>
+              <a:rPr lang="en-US" dirty="0"/>
+              <a:t>New Database for </a:t>
+            </a:r>
+            <a:r>
+              <a:rPr lang="en-US" dirty="0" err="1"/>
+              <a:t>Hangfire</a:t>
+            </a:r>
+            <a:endParaRPr lang="en-US" dirty="0"/>
+          </a:p>
+          <a:p>
+            <a:r>
+              <a:rPr lang="en-US" dirty="0"/>
+              <a:t>Solution Open</a:t>
+            </a:r>
+          </a:p>
+          <a:p>
             <a:pPr>
               <a:spcBef>
                 <a:spcPct val="0"/>
               </a:spcBef>
             </a:pPr>
-            <a:endParaRPr lang="en-US"/>
+            <a:endParaRPr lang="en-US" dirty="0"/>
           </a:p>
         </p:txBody>
       </p:sp>
@@ -1138,7 +1203,7 @@
               <a:pPr>
                 <a:defRPr/>
               </a:pPr>
-              <a:t>35</a:t>
+              <a:t>34</a:t>
             </a:fld>
             <a:endParaRPr lang="en-US"/>
           </a:p>
@@ -1148,6 +1213,96 @@
     <p:extLst>
       <p:ext uri="{BB962C8B-B14F-4D97-AF65-F5344CB8AC3E}">
         <p14:creationId xmlns:p14="http://schemas.microsoft.com/office/powerpoint/2010/main" val="3194529306"/>
+      </p:ext>
+    </p:extLst>
+  </p:cSld>
+  <p:clrMapOvr>
+    <a:masterClrMapping/>
+  </p:clrMapOvr>
+</p:notes>
+</file>
+
+<file path=ppt/notesSlides/notesSlide3.xml><?xml version="1.0" encoding="utf-8"?>
+<p:notes xmlns:a="http://schemas.openxmlformats.org/drawingml/2006/main" xmlns:r="http://schemas.openxmlformats.org/officeDocument/2006/relationships" xmlns:p="http://schemas.openxmlformats.org/presentationml/2006/main">
+  <p:cSld>
+    <p:spTree>
+      <p:nvGrpSpPr>
+        <p:cNvPr id="1" name=""/>
+        <p:cNvGrpSpPr/>
+        <p:nvPr/>
+      </p:nvGrpSpPr>
+      <p:grpSpPr>
+        <a:xfrm>
+          <a:off x="0" y="0"/>
+          <a:ext cx="0" cy="0"/>
+          <a:chOff x="0" y="0"/>
+          <a:chExt cx="0" cy="0"/>
+        </a:xfrm>
+      </p:grpSpPr>
+      <p:sp>
+        <p:nvSpPr>
+          <p:cNvPr id="2" name="Slide Image Placeholder 1"/>
+          <p:cNvSpPr>
+            <a:spLocks noGrp="1" noRot="1" noChangeAspect="1"/>
+          </p:cNvSpPr>
+          <p:nvPr>
+            <p:ph type="sldImg"/>
+          </p:nvPr>
+        </p:nvSpPr>
+        <p:spPr/>
+      </p:sp>
+      <p:sp>
+        <p:nvSpPr>
+          <p:cNvPr id="3" name="Notes Placeholder 2"/>
+          <p:cNvSpPr>
+            <a:spLocks noGrp="1"/>
+          </p:cNvSpPr>
+          <p:nvPr>
+            <p:ph type="body" idx="1"/>
+          </p:nvPr>
+        </p:nvSpPr>
+        <p:spPr/>
+        <p:txBody>
+          <a:bodyPr/>
+          <a:lstStyle/>
+          <a:p>
+            <a:endParaRPr lang="en-US" dirty="0"/>
+          </a:p>
+        </p:txBody>
+      </p:sp>
+      <p:sp>
+        <p:nvSpPr>
+          <p:cNvPr id="4" name="Slide Number Placeholder 3"/>
+          <p:cNvSpPr>
+            <a:spLocks noGrp="1"/>
+          </p:cNvSpPr>
+          <p:nvPr>
+            <p:ph type="sldNum" sz="quarter" idx="5"/>
+          </p:nvPr>
+        </p:nvSpPr>
+        <p:spPr/>
+        <p:txBody>
+          <a:bodyPr/>
+          <a:lstStyle/>
+          <a:p>
+            <a:pPr>
+              <a:defRPr/>
+            </a:pPr>
+            <a:fld id="{7BE5AA1C-3A4A-4E86-88DD-FDD0A0056FE6}" type="slidenum">
+              <a:rPr lang="en-US" smtClean="0"/>
+              <a:pPr>
+                <a:defRPr/>
+              </a:pPr>
+              <a:t>41</a:t>
+            </a:fld>
+            <a:endParaRPr lang="en-US"/>
+          </a:p>
+        </p:txBody>
+      </p:sp>
+    </p:spTree>
+    <p:extLst>
+      <p:ext uri="{BB962C8B-B14F-4D97-AF65-F5344CB8AC3E}">
+        <p14:creationId xmlns:p14="http://schemas.microsoft.com/office/powerpoint/2010/main" val="802979402"/>
       </p:ext>
     </p:extLst>
   </p:cSld>
@@ -1346,7 +1501,7 @@
               <a:pPr>
                 <a:defRPr/>
               </a:pPr>
-              <a:t>11/10/2024</a:t>
+              <a:t>11/20/2024</a:t>
             </a:fld>
             <a:endParaRPr lang="en-US"/>
           </a:p>
@@ -1503,7 +1658,7 @@
               <a:pPr>
                 <a:defRPr/>
               </a:pPr>
-              <a:t>11/10/2024</a:t>
+              <a:t>11/20/2024</a:t>
             </a:fld>
             <a:endParaRPr lang="en-US"/>
           </a:p>
@@ -1670,7 +1825,7 @@
               <a:pPr>
                 <a:defRPr/>
               </a:pPr>
-              <a:t>11/10/2024</a:t>
+              <a:t>11/20/2024</a:t>
             </a:fld>
             <a:endParaRPr lang="en-US"/>
           </a:p>
@@ -1900,7 +2055,7 @@
               <a:pPr>
                 <a:defRPr/>
               </a:pPr>
-              <a:t>11/10/2024</a:t>
+              <a:t>11/20/2024</a:t>
             </a:fld>
             <a:endParaRPr lang="en-US"/>
           </a:p>
@@ -2067,7 +2222,7 @@
               <a:pPr>
                 <a:defRPr/>
               </a:pPr>
-              <a:t>11/10/2024</a:t>
+              <a:t>11/20/2024</a:t>
             </a:fld>
             <a:endParaRPr lang="en-US" dirty="0"/>
           </a:p>
@@ -2301,7 +2456,7 @@
               <a:pPr>
                 <a:defRPr/>
               </a:pPr>
-              <a:t>11/10/2024</a:t>
+              <a:t>11/20/2024</a:t>
             </a:fld>
             <a:endParaRPr lang="en-US"/>
           </a:p>
@@ -2575,7 +2730,7 @@
               <a:pPr>
                 <a:defRPr/>
               </a:pPr>
-              <a:t>11/10/2024</a:t>
+              <a:t>11/20/2024</a:t>
             </a:fld>
             <a:endParaRPr lang="en-US"/>
           </a:p>
@@ -2988,7 +3143,7 @@
               <a:pPr>
                 <a:defRPr/>
               </a:pPr>
-              <a:t>11/10/2024</a:t>
+              <a:t>11/20/2024</a:t>
             </a:fld>
             <a:endParaRPr lang="en-US"/>
           </a:p>
@@ -3094,7 +3249,7 @@
               <a:pPr>
                 <a:defRPr/>
               </a:pPr>
-              <a:t>11/10/2024</a:t>
+              <a:t>11/20/2024</a:t>
             </a:fld>
             <a:endParaRPr lang="en-US"/>
           </a:p>
@@ -3178,7 +3333,7 @@
               <a:pPr>
                 <a:defRPr/>
               </a:pPr>
-              <a:t>11/10/2024</a:t>
+              <a:t>11/20/2024</a:t>
             </a:fld>
             <a:endParaRPr lang="en-US"/>
           </a:p>
@@ -3442,7 +3597,7 @@
               <a:pPr>
                 <a:defRPr/>
               </a:pPr>
-              <a:t>11/10/2024</a:t>
+              <a:t>11/20/2024</a:t>
             </a:fld>
             <a:endParaRPr lang="en-US"/>
           </a:p>
@@ -3607,7 +3762,7 @@
               <a:pPr>
                 <a:defRPr/>
               </a:pPr>
-              <a:t>11/10/2024</a:t>
+              <a:t>11/20/2024</a:t>
             </a:fld>
             <a:endParaRPr lang="en-US" dirty="0"/>
           </a:p>
@@ -3854,7 +4009,7 @@
               <a:pPr>
                 <a:defRPr/>
               </a:pPr>
-              <a:t>11/10/2024</a:t>
+              <a:t>11/20/2024</a:t>
             </a:fld>
             <a:endParaRPr lang="en-US"/>
           </a:p>
@@ -4011,7 +4166,7 @@
               <a:pPr>
                 <a:defRPr/>
               </a:pPr>
-              <a:t>11/10/2024</a:t>
+              <a:t>11/20/2024</a:t>
             </a:fld>
             <a:endParaRPr lang="en-US"/>
           </a:p>
@@ -4178,7 +4333,7 @@
               <a:pPr>
                 <a:defRPr/>
               </a:pPr>
-              <a:t>11/10/2024</a:t>
+              <a:t>11/20/2024</a:t>
             </a:fld>
             <a:endParaRPr lang="en-US"/>
           </a:p>
@@ -4412,7 +4567,7 @@
               <a:pPr>
                 <a:defRPr/>
               </a:pPr>
-              <a:t>11/10/2024</a:t>
+              <a:t>11/20/2024</a:t>
             </a:fld>
             <a:endParaRPr lang="en-US"/>
           </a:p>
@@ -4686,7 +4841,7 @@
               <a:pPr>
                 <a:defRPr/>
               </a:pPr>
-              <a:t>11/10/2024</a:t>
+              <a:t>11/20/2024</a:t>
             </a:fld>
             <a:endParaRPr lang="en-US"/>
           </a:p>
@@ -5099,7 +5254,7 @@
               <a:pPr>
                 <a:defRPr/>
               </a:pPr>
-              <a:t>11/10/2024</a:t>
+              <a:t>11/20/2024</a:t>
             </a:fld>
             <a:endParaRPr lang="en-US"/>
           </a:p>
@@ -5205,7 +5360,7 @@
               <a:pPr>
                 <a:defRPr/>
               </a:pPr>
-              <a:t>11/10/2024</a:t>
+              <a:t>11/20/2024</a:t>
             </a:fld>
             <a:endParaRPr lang="en-US"/>
           </a:p>
@@ -5289,7 +5444,7 @@
               <a:pPr>
                 <a:defRPr/>
               </a:pPr>
-              <a:t>11/10/2024</a:t>
+              <a:t>11/20/2024</a:t>
             </a:fld>
             <a:endParaRPr lang="en-US"/>
           </a:p>
@@ -5553,7 +5708,7 @@
               <a:pPr>
                 <a:defRPr/>
               </a:pPr>
-              <a:t>11/10/2024</a:t>
+              <a:t>11/20/2024</a:t>
             </a:fld>
             <a:endParaRPr lang="en-US"/>
           </a:p>
@@ -5797,7 +5952,7 @@
               <a:pPr>
                 <a:defRPr/>
               </a:pPr>
-              <a:t>11/10/2024</a:t>
+              <a:t>11/20/2024</a:t>
             </a:fld>
             <a:endParaRPr lang="en-US"/>
           </a:p>
@@ -6030,7 +6185,7 @@
               <a:pPr>
                 <a:defRPr/>
               </a:pPr>
-              <a:t>11/10/2024</a:t>
+              <a:t>11/20/2024</a:t>
             </a:fld>
             <a:endParaRPr lang="en-US"/>
           </a:p>
@@ -6709,7 +6864,7 @@
               <a:pPr>
                 <a:defRPr/>
               </a:pPr>
-              <a:t>11/10/2024</a:t>
+              <a:t>11/20/2024</a:t>
             </a:fld>
             <a:endParaRPr lang="en-US"/>
           </a:p>
@@ -7442,218 +7597,6 @@
         <p:cNvPr id="1" name="">
           <a:extLst>
             <a:ext uri="{FF2B5EF4-FFF2-40B4-BE49-F238E27FC236}">
-              <a16:creationId xmlns:a16="http://schemas.microsoft.com/office/drawing/2014/main" id="{96506B8F-D605-D6D9-3777-F5E685FF33D4}"/>
-            </a:ext>
-          </a:extLst>
-        </p:cNvPr>
-        <p:cNvGrpSpPr/>
-        <p:nvPr/>
-      </p:nvGrpSpPr>
-      <p:grpSpPr>
-        <a:xfrm>
-          <a:off x="0" y="0"/>
-          <a:ext cx="0" cy="0"/>
-          <a:chOff x="0" y="0"/>
-          <a:chExt cx="0" cy="0"/>
-        </a:xfrm>
-      </p:grpSpPr>
-      <p:pic>
-        <p:nvPicPr>
-          <p:cNvPr id="2" name="Picture 1" descr="Texas Cowboy Cookies - Rachel Hollis">
-            <a:extLst>
-              <a:ext uri="{FF2B5EF4-FFF2-40B4-BE49-F238E27FC236}">
-                <a16:creationId xmlns:a16="http://schemas.microsoft.com/office/drawing/2014/main" id="{EDDB96B5-168F-0365-CFF8-E2EDBFFDA239}"/>
-              </a:ext>
-            </a:extLst>
-          </p:cNvPr>
-          <p:cNvPicPr>
-            <a:picLocks noChangeAspect="1" noChangeArrowheads="1"/>
-          </p:cNvPicPr>
-          <p:nvPr/>
-        </p:nvPicPr>
-        <p:blipFill>
-          <a:blip r:embed="rId2">
-            <a:extLst>
-              <a:ext uri="{28A0092B-C50C-407E-A947-70E740481C1C}">
-                <a14:useLocalDpi xmlns:a14="http://schemas.microsoft.com/office/drawing/2010/main" val="0"/>
-              </a:ext>
-            </a:extLst>
-          </a:blip>
-          <a:srcRect/>
-          <a:stretch>
-            <a:fillRect/>
-          </a:stretch>
-        </p:blipFill>
-        <p:spPr bwMode="auto">
-          <a:xfrm>
-            <a:off x="-1" y="-1"/>
-            <a:ext cx="9144001" cy="5143501"/>
-          </a:xfrm>
-          <a:prstGeom prst="rect">
-            <a:avLst/>
-          </a:prstGeom>
-          <a:noFill/>
-          <a:extLst>
-            <a:ext uri="{909E8E84-426E-40DD-AFC4-6F175D3DCCD1}">
-              <a14:hiddenFill xmlns:a14="http://schemas.microsoft.com/office/drawing/2010/main">
-                <a:solidFill>
-                  <a:srgbClr val="FFFFFF"/>
-                </a:solidFill>
-              </a14:hiddenFill>
-            </a:ext>
-          </a:extLst>
-        </p:spPr>
-      </p:pic>
-      <p:sp>
-        <p:nvSpPr>
-          <p:cNvPr id="6" name="Rectangle 5">
-            <a:extLst>
-              <a:ext uri="{FF2B5EF4-FFF2-40B4-BE49-F238E27FC236}">
-                <a16:creationId xmlns:a16="http://schemas.microsoft.com/office/drawing/2014/main" id="{D13DEA65-4758-5FF6-A3C3-36F8B2D03A1B}"/>
-              </a:ext>
-            </a:extLst>
-          </p:cNvPr>
-          <p:cNvSpPr/>
-          <p:nvPr/>
-        </p:nvSpPr>
-        <p:spPr>
-          <a:xfrm>
-            <a:off x="-4" y="-4696"/>
-            <a:ext cx="9144001" cy="5143500"/>
-          </a:xfrm>
-          <a:prstGeom prst="rect">
-            <a:avLst/>
-          </a:prstGeom>
-          <a:solidFill>
-            <a:schemeClr val="tx1">
-              <a:lumMod val="65000"/>
-              <a:lumOff val="35000"/>
-              <a:alpha val="74902"/>
-            </a:schemeClr>
-          </a:solidFill>
-          <a:ln>
-            <a:noFill/>
-          </a:ln>
-        </p:spPr>
-        <p:style>
-          <a:lnRef idx="2">
-            <a:schemeClr val="accent1">
-              <a:shade val="50000"/>
-            </a:schemeClr>
-          </a:lnRef>
-          <a:fillRef idx="1">
-            <a:schemeClr val="accent1"/>
-          </a:fillRef>
-          <a:effectRef idx="0">
-            <a:schemeClr val="accent1"/>
-          </a:effectRef>
-          <a:fontRef idx="minor">
-            <a:schemeClr val="lt1"/>
-          </a:fontRef>
-        </p:style>
-        <p:txBody>
-          <a:bodyPr rtlCol="0" anchor="ctr"/>
-          <a:lstStyle/>
-          <a:p>
-            <a:pPr algn="ctr"/>
-            <a:endParaRPr lang="en-GB"/>
-          </a:p>
-        </p:txBody>
-      </p:sp>
-      <p:sp>
-        <p:nvSpPr>
-          <p:cNvPr id="17410" name="Title 1">
-            <a:extLst>
-              <a:ext uri="{FF2B5EF4-FFF2-40B4-BE49-F238E27FC236}">
-                <a16:creationId xmlns:a16="http://schemas.microsoft.com/office/drawing/2014/main" id="{832D56AD-A160-6EB0-75D5-4D017E58B610}"/>
-              </a:ext>
-            </a:extLst>
-          </p:cNvPr>
-          <p:cNvSpPr>
-            <a:spLocks noGrp="1"/>
-          </p:cNvSpPr>
-          <p:nvPr>
-            <p:ph type="title"/>
-          </p:nvPr>
-        </p:nvSpPr>
-        <p:spPr>
-          <a:xfrm>
-            <a:off x="-1" y="0"/>
-            <a:ext cx="9143999" cy="5143500"/>
-          </a:xfrm>
-        </p:spPr>
-        <p:txBody>
-          <a:bodyPr/>
-          <a:lstStyle/>
-          <a:p>
-            <a:pPr algn="ctr"/>
-            <a:r>
-              <a:rPr lang="en-US" sz="7000" dirty="0" err="1">
-                <a:solidFill>
-                  <a:schemeClr val="bg1"/>
-                </a:solidFill>
-              </a:rPr>
-              <a:t>IHostedService</a:t>
-            </a:r>
-            <a:br>
-              <a:rPr lang="en-US" sz="7000" dirty="0">
-                <a:solidFill>
-                  <a:schemeClr val="bg1"/>
-                </a:solidFill>
-              </a:rPr>
-            </a:br>
-            <a:r>
-              <a:rPr lang="en-US" sz="4000" dirty="0">
-                <a:solidFill>
-                  <a:schemeClr val="bg1"/>
-                </a:solidFill>
-              </a:rPr>
-              <a:t>“Make your own recipe”</a:t>
-            </a:r>
-            <a:br>
-              <a:rPr lang="en-US" sz="4000" dirty="0">
-                <a:solidFill>
-                  <a:schemeClr val="bg1"/>
-                </a:solidFill>
-              </a:rPr>
-            </a:br>
-            <a:r>
-              <a:rPr lang="en-US" sz="4000" dirty="0">
-                <a:solidFill>
-                  <a:schemeClr val="bg1"/>
-                </a:solidFill>
-              </a:rPr>
-              <a:t>(Cookie jar included)</a:t>
-            </a:r>
-            <a:endParaRPr lang="en-US" sz="7000" dirty="0">
-              <a:solidFill>
-                <a:schemeClr val="bg1"/>
-              </a:solidFill>
-            </a:endParaRPr>
-          </a:p>
-        </p:txBody>
-      </p:sp>
-    </p:spTree>
-    <p:extLst>
-      <p:ext uri="{BB962C8B-B14F-4D97-AF65-F5344CB8AC3E}">
-        <p14:creationId xmlns:p14="http://schemas.microsoft.com/office/powerpoint/2010/main" val="4025921184"/>
-      </p:ext>
-    </p:extLst>
-  </p:cSld>
-  <p:clrMapOvr>
-    <a:masterClrMapping/>
-  </p:clrMapOvr>
-</p:sld>
-</file>
-
-<file path=ppt/slides/slide11.xml><?xml version="1.0" encoding="utf-8"?>
-<p:sld xmlns:a="http://schemas.openxmlformats.org/drawingml/2006/main" xmlns:r="http://schemas.openxmlformats.org/officeDocument/2006/relationships" xmlns:p="http://schemas.openxmlformats.org/presentationml/2006/main">
-  <p:cSld>
-    <p:spTree>
-      <p:nvGrpSpPr>
-        <p:cNvPr id="1" name="">
-          <a:extLst>
-            <a:ext uri="{FF2B5EF4-FFF2-40B4-BE49-F238E27FC236}">
               <a16:creationId xmlns:a16="http://schemas.microsoft.com/office/drawing/2014/main" id="{846D4E2C-54FC-49E3-BC13-0097D5F7B65D}"/>
             </a:ext>
           </a:extLst>
@@ -8248,7 +8191,7 @@
 </p:sld>
 </file>
 
-<file path=ppt/slides/slide12.xml><?xml version="1.0" encoding="utf-8"?>
+<file path=ppt/slides/slide11.xml><?xml version="1.0" encoding="utf-8"?>
 <p:sld xmlns:a="http://schemas.openxmlformats.org/drawingml/2006/main" xmlns:r="http://schemas.openxmlformats.org/officeDocument/2006/relationships" xmlns:p="http://schemas.openxmlformats.org/presentationml/2006/main">
   <p:cSld>
     <p:spTree>
@@ -8425,7 +8368,7 @@
 </p:sld>
 </file>
 
-<file path=ppt/slides/slide13.xml><?xml version="1.0" encoding="utf-8"?>
+<file path=ppt/slides/slide12.xml><?xml version="1.0" encoding="utf-8"?>
 <p:sld xmlns:a="http://schemas.openxmlformats.org/drawingml/2006/main" xmlns:r="http://schemas.openxmlformats.org/officeDocument/2006/relationships" xmlns:p="http://schemas.openxmlformats.org/presentationml/2006/main">
   <p:cSld>
     <p:spTree>
@@ -8679,6 +8622,41 @@
                                   </p:subTnLst>
                                 </p:cTn>
                               </p:par>
+                              <p:par>
+                                <p:cTn id="8" presetID="10" presetClass="entr" presetSubtype="0" fill="hold" nodeType="withEffect">
+                                  <p:stCondLst>
+                                    <p:cond delay="0"/>
+                                  </p:stCondLst>
+                                  <p:childTnLst>
+                                    <p:set>
+                                      <p:cBhvr>
+                                        <p:cTn id="9" dur="1" fill="hold">
+                                          <p:stCondLst>
+                                            <p:cond delay="0"/>
+                                          </p:stCondLst>
+                                        </p:cTn>
+                                        <p:tgtEl>
+                                          <p:spTgt spid="2"/>
+                                        </p:tgtEl>
+                                        <p:attrNameLst>
+                                          <p:attrName>style.visibility</p:attrName>
+                                        </p:attrNameLst>
+                                      </p:cBhvr>
+                                      <p:to>
+                                        <p:strVal val="visible"/>
+                                      </p:to>
+                                    </p:set>
+                                    <p:animEffect transition="in" filter="fade">
+                                      <p:cBhvr>
+                                        <p:cTn id="10" dur="500"/>
+                                        <p:tgtEl>
+                                          <p:spTgt spid="2"/>
+                                        </p:tgtEl>
+                                      </p:cBhvr>
+                                    </p:animEffect>
+                                  </p:childTnLst>
+                                </p:cTn>
+                              </p:par>
                             </p:childTnLst>
                           </p:cTn>
                         </p:par>
@@ -8686,26 +8664,26 @@
                     </p:cTn>
                   </p:par>
                   <p:par>
-                    <p:cTn id="8" fill="hold">
+                    <p:cTn id="11" fill="hold">
                       <p:stCondLst>
                         <p:cond delay="indefinite"/>
                       </p:stCondLst>
                       <p:childTnLst>
                         <p:par>
-                          <p:cTn id="9" fill="hold">
+                          <p:cTn id="12" fill="hold">
                             <p:stCondLst>
                               <p:cond delay="0"/>
                             </p:stCondLst>
                             <p:childTnLst>
                               <p:par>
-                                <p:cTn id="10" presetID="10" presetClass="entr" presetSubtype="0" fill="hold" grpId="0" nodeType="clickEffect">
+                                <p:cTn id="13" presetID="10" presetClass="entr" presetSubtype="0" fill="hold" grpId="0" nodeType="clickEffect">
                                   <p:stCondLst>
                                     <p:cond delay="0"/>
                                   </p:stCondLst>
                                   <p:childTnLst>
                                     <p:set>
                                       <p:cBhvr>
-                                        <p:cTn id="11" dur="1" fill="hold">
+                                        <p:cTn id="14" dur="1" fill="hold">
                                           <p:stCondLst>
                                             <p:cond delay="0"/>
                                           </p:stCondLst>
@@ -8727,7 +8705,7 @@
                                     </p:set>
                                     <p:animEffect transition="in" filter="fade">
                                       <p:cBhvr>
-                                        <p:cTn id="12" dur="500"/>
+                                        <p:cTn id="15" dur="500"/>
                                         <p:tgtEl>
                                           <p:spTgt spid="3">
                                             <p:txEl>
@@ -8767,82 +8745,19 @@
                     </p:cTn>
                   </p:par>
                   <p:par>
-                    <p:cTn id="13" fill="hold">
+                    <p:cTn id="16" fill="hold">
                       <p:stCondLst>
                         <p:cond delay="indefinite"/>
                       </p:stCondLst>
                       <p:childTnLst>
                         <p:par>
-                          <p:cTn id="14" fill="hold">
+                          <p:cTn id="17" fill="hold">
                             <p:stCondLst>
                               <p:cond delay="0"/>
                             </p:stCondLst>
                             <p:childTnLst>
                               <p:par>
-                                <p:cTn id="15" presetID="10" presetClass="entr" presetSubtype="0" fill="hold" grpId="0" nodeType="clickEffect">
-                                  <p:stCondLst>
-                                    <p:cond delay="0"/>
-                                  </p:stCondLst>
-                                  <p:childTnLst>
-                                    <p:set>
-                                      <p:cBhvr>
-                                        <p:cTn id="16" dur="1" fill="hold">
-                                          <p:stCondLst>
-                                            <p:cond delay="0"/>
-                                          </p:stCondLst>
-                                        </p:cTn>
-                                        <p:tgtEl>
-                                          <p:spTgt spid="3">
-                                            <p:txEl>
-                                              <p:pRg st="2" end="2"/>
-                                            </p:txEl>
-                                          </p:spTgt>
-                                        </p:tgtEl>
-                                        <p:attrNameLst>
-                                          <p:attrName>style.visibility</p:attrName>
-                                        </p:attrNameLst>
-                                      </p:cBhvr>
-                                      <p:to>
-                                        <p:strVal val="visible"/>
-                                      </p:to>
-                                    </p:set>
-                                    <p:animEffect transition="in" filter="fade">
-                                      <p:cBhvr>
-                                        <p:cTn id="17" dur="500"/>
-                                        <p:tgtEl>
-                                          <p:spTgt spid="3">
-                                            <p:txEl>
-                                              <p:pRg st="2" end="2"/>
-                                            </p:txEl>
-                                          </p:spTgt>
-                                        </p:tgtEl>
-                                      </p:cBhvr>
-                                    </p:animEffect>
-                                  </p:childTnLst>
-                                  <p:subTnLst>
-                                    <p:animClr clrSpc="rgb" dir="cw">
-                                      <p:cBhvr override="childStyle">
-                                        <p:cTn dur="1" fill="hold" display="0" masterRel="nextClick" afterEffect="1"/>
-                                        <p:tgtEl>
-                                          <p:spTgt spid="3">
-                                            <p:txEl>
-                                              <p:pRg st="2" end="2"/>
-                                            </p:txEl>
-                                          </p:spTgt>
-                                        </p:tgtEl>
-                                        <p:attrNameLst>
-                                          <p:attrName>ppt_c</p:attrName>
-                                        </p:attrNameLst>
-                                      </p:cBhvr>
-                                      <p:to>
-                                        <a:srgbClr val="B2B2B2"/>
-                                      </p:to>
-                                    </p:animClr>
-                                  </p:subTnLst>
-                                </p:cTn>
-                              </p:par>
-                              <p:par>
-                                <p:cTn id="18" presetID="10" presetClass="entr" presetSubtype="0" fill="hold" nodeType="withEffect">
+                                <p:cTn id="18" presetID="10" presetClass="entr" presetSubtype="0" fill="hold" grpId="0" nodeType="clickEffect">
                                   <p:stCondLst>
                                     <p:cond delay="0"/>
                                   </p:stCondLst>
@@ -8855,7 +8770,11 @@
                                           </p:stCondLst>
                                         </p:cTn>
                                         <p:tgtEl>
-                                          <p:spTgt spid="2"/>
+                                          <p:spTgt spid="3">
+                                            <p:txEl>
+                                              <p:pRg st="2" end="2"/>
+                                            </p:txEl>
+                                          </p:spTgt>
                                         </p:tgtEl>
                                         <p:attrNameLst>
                                           <p:attrName>style.visibility</p:attrName>
@@ -8869,26 +8788,34 @@
                                       <p:cBhvr>
                                         <p:cTn id="20" dur="500"/>
                                         <p:tgtEl>
-                                          <p:spTgt spid="2"/>
+                                          <p:spTgt spid="3">
+                                            <p:txEl>
+                                              <p:pRg st="2" end="2"/>
+                                            </p:txEl>
+                                          </p:spTgt>
                                         </p:tgtEl>
                                       </p:cBhvr>
                                     </p:animEffect>
                                   </p:childTnLst>
                                   <p:subTnLst>
-                                    <p:set>
+                                    <p:animClr clrSpc="rgb" dir="cw">
                                       <p:cBhvr override="childStyle">
                                         <p:cTn dur="1" fill="hold" display="0" masterRel="nextClick" afterEffect="1"/>
                                         <p:tgtEl>
-                                          <p:spTgt spid="2"/>
+                                          <p:spTgt spid="3">
+                                            <p:txEl>
+                                              <p:pRg st="2" end="2"/>
+                                            </p:txEl>
+                                          </p:spTgt>
                                         </p:tgtEl>
                                         <p:attrNameLst>
-                                          <p:attrName>style.visibility</p:attrName>
+                                          <p:attrName>ppt_c</p:attrName>
                                         </p:attrNameLst>
                                       </p:cBhvr>
                                       <p:to>
-                                        <p:strVal val="hidden"/>
+                                        <a:srgbClr val="B2B2B2"/>
                                       </p:to>
-                                    </p:set>
+                                    </p:animClr>
                                   </p:subTnLst>
                                 </p:cTn>
                               </p:par>
@@ -8920,13 +8847,13 @@
       </p:par>
     </p:tnLst>
     <p:bldLst>
-      <p:bldP spid="3" grpId="0" build="p"/>
+      <p:bldP spid="3" grpId="0" uiExpand="1" build="p"/>
     </p:bldLst>
   </p:timing>
 </p:sld>
 </file>
 
-<file path=ppt/slides/slide14.xml><?xml version="1.0" encoding="utf-8"?>
+<file path=ppt/slides/slide13.xml><?xml version="1.0" encoding="utf-8"?>
 <p:sld xmlns:a="http://schemas.openxmlformats.org/drawingml/2006/main" xmlns:r="http://schemas.openxmlformats.org/officeDocument/2006/relationships" xmlns:p="http://schemas.openxmlformats.org/presentationml/2006/main">
   <p:cSld>
     <p:spTree>
@@ -9037,7 +8964,7 @@
 </p:sld>
 </file>
 
-<file path=ppt/slides/slide15.xml><?xml version="1.0" encoding="utf-8"?>
+<file path=ppt/slides/slide14.xml><?xml version="1.0" encoding="utf-8"?>
 <p:sld xmlns:a="http://schemas.openxmlformats.org/drawingml/2006/main" xmlns:r="http://schemas.openxmlformats.org/officeDocument/2006/relationships" xmlns:p="http://schemas.openxmlformats.org/presentationml/2006/main">
   <p:cSld>
     <p:spTree>
@@ -9557,7 +9484,7 @@
 </p:sld>
 </file>
 
-<file path=ppt/slides/slide16.xml><?xml version="1.0" encoding="utf-8"?>
+<file path=ppt/slides/slide15.xml><?xml version="1.0" encoding="utf-8"?>
 <p:sld xmlns:a="http://schemas.openxmlformats.org/drawingml/2006/main" xmlns:r="http://schemas.openxmlformats.org/officeDocument/2006/relationships" xmlns:p="http://schemas.openxmlformats.org/presentationml/2006/main">
   <p:cSld>
     <p:spTree>
@@ -9709,7 +9636,7 @@
 </p:sld>
 </file>
 
-<file path=ppt/slides/slide17.xml><?xml version="1.0" encoding="utf-8"?>
+<file path=ppt/slides/slide16.xml><?xml version="1.0" encoding="utf-8"?>
 <p:sld xmlns:a="http://schemas.openxmlformats.org/drawingml/2006/main" xmlns:r="http://schemas.openxmlformats.org/officeDocument/2006/relationships" xmlns:p="http://schemas.openxmlformats.org/presentationml/2006/main">
   <p:cSld>
     <p:spTree>
@@ -10216,7 +10143,7 @@
 </p:sld>
 </file>
 
-<file path=ppt/slides/slide18.xml><?xml version="1.0" encoding="utf-8"?>
+<file path=ppt/slides/slide17.xml><?xml version="1.0" encoding="utf-8"?>
 <p:sld xmlns:a="http://schemas.openxmlformats.org/drawingml/2006/main" xmlns:r="http://schemas.openxmlformats.org/officeDocument/2006/relationships" xmlns:p="http://schemas.openxmlformats.org/presentationml/2006/main">
   <p:cSld>
     <p:spTree>
@@ -10554,7 +10481,7 @@
 </p:sld>
 </file>
 
-<file path=ppt/slides/slide19.xml><?xml version="1.0" encoding="utf-8"?>
+<file path=ppt/slides/slide18.xml><?xml version="1.0" encoding="utf-8"?>
 <p:sld xmlns:a="http://schemas.openxmlformats.org/drawingml/2006/main" xmlns:r="http://schemas.openxmlformats.org/officeDocument/2006/relationships" xmlns:p="http://schemas.openxmlformats.org/presentationml/2006/main">
   <p:cSld>
     <p:spTree>
@@ -10811,150 +10738,7 @@
 </p:sld>
 </file>
 
-<file path=ppt/slides/slide2.xml><?xml version="1.0" encoding="utf-8"?>
-<p:sld xmlns:a="http://schemas.openxmlformats.org/drawingml/2006/main" xmlns:r="http://schemas.openxmlformats.org/officeDocument/2006/relationships" xmlns:p="http://schemas.openxmlformats.org/presentationml/2006/main">
-  <p:cSld>
-    <p:spTree>
-      <p:nvGrpSpPr>
-        <p:cNvPr id="1" name=""/>
-        <p:cNvGrpSpPr/>
-        <p:nvPr/>
-      </p:nvGrpSpPr>
-      <p:grpSpPr>
-        <a:xfrm>
-          <a:off x="0" y="0"/>
-          <a:ext cx="0" cy="0"/>
-          <a:chOff x="0" y="0"/>
-          <a:chExt cx="0" cy="0"/>
-        </a:xfrm>
-      </p:grpSpPr>
-      <p:sp>
-        <p:nvSpPr>
-          <p:cNvPr id="3" name="Content Placeholder 2"/>
-          <p:cNvSpPr>
-            <a:spLocks noGrp="1"/>
-          </p:cNvSpPr>
-          <p:nvPr>
-            <p:ph idx="1"/>
-          </p:nvPr>
-        </p:nvSpPr>
-        <p:spPr>
-          <a:xfrm>
-            <a:off x="457200" y="1131590"/>
-            <a:ext cx="8229600" cy="3394472"/>
-          </a:xfrm>
-        </p:spPr>
-        <p:txBody>
-          <a:bodyPr>
-            <a:normAutofit fontScale="92500" lnSpcReduction="10000"/>
-          </a:bodyPr>
-          <a:lstStyle/>
-          <a:p>
-            <a:r>
-              <a:rPr lang="en-US" sz="2800" dirty="0"/>
-              <a:t>Your feedback is very important to us</a:t>
-            </a:r>
-          </a:p>
-          <a:p>
-            <a:r>
-              <a:rPr lang="en-US" sz="2800" dirty="0"/>
-              <a:t>Please take a moment to complete the session survey found in the mobile app</a:t>
-            </a:r>
-          </a:p>
-          <a:p>
-            <a:r>
-              <a:rPr lang="en-US" sz="2800" dirty="0"/>
-              <a:t>Use the QR code or search for “Converge360 Events” in your app store</a:t>
-            </a:r>
-          </a:p>
-          <a:p>
-            <a:r>
-              <a:rPr lang="en-US" sz="2800" dirty="0"/>
-              <a:t>Find this session on the Agenda tab</a:t>
-            </a:r>
-          </a:p>
-          <a:p>
-            <a:r>
-              <a:rPr lang="en-US" sz="2800" dirty="0"/>
-              <a:t>Click “Session Evaluation”</a:t>
-            </a:r>
-          </a:p>
-          <a:p>
-            <a:r>
-              <a:rPr lang="en-US" sz="2800" dirty="0"/>
-              <a:t>Thank you! </a:t>
-            </a:r>
-          </a:p>
-          <a:p>
-            <a:endParaRPr lang="en-US" sz="3000" dirty="0"/>
-          </a:p>
-        </p:txBody>
-      </p:sp>
-      <p:sp>
-        <p:nvSpPr>
-          <p:cNvPr id="4" name="Title 1"/>
-          <p:cNvSpPr>
-            <a:spLocks noGrp="1"/>
-          </p:cNvSpPr>
-          <p:nvPr>
-            <p:ph type="title"/>
-          </p:nvPr>
-        </p:nvSpPr>
-        <p:spPr/>
-        <p:txBody>
-          <a:bodyPr/>
-          <a:lstStyle/>
-          <a:p>
-            <a:r>
-              <a:rPr lang="en-US" b="1" dirty="0"/>
-              <a:t>Session Survey</a:t>
-            </a:r>
-          </a:p>
-        </p:txBody>
-      </p:sp>
-      <p:pic>
-        <p:nvPicPr>
-          <p:cNvPr id="5" name="Picture 4"/>
-          <p:cNvPicPr>
-            <a:picLocks noChangeAspect="1"/>
-          </p:cNvPicPr>
-          <p:nvPr/>
-        </p:nvPicPr>
-        <p:blipFill>
-          <a:blip r:embed="rId2">
-            <a:extLst>
-              <a:ext uri="{28A0092B-C50C-407E-A947-70E740481C1C}">
-                <a14:useLocalDpi xmlns:a14="http://schemas.microsoft.com/office/drawing/2010/main" val="0"/>
-              </a:ext>
-            </a:extLst>
-          </a:blip>
-          <a:srcRect/>
-          <a:stretch/>
-        </p:blipFill>
-        <p:spPr>
-          <a:xfrm>
-            <a:off x="6804985" y="2852732"/>
-            <a:ext cx="1427276" cy="1428750"/>
-          </a:xfrm>
-          <a:prstGeom prst="rect">
-            <a:avLst/>
-          </a:prstGeom>
-        </p:spPr>
-      </p:pic>
-    </p:spTree>
-    <p:extLst>
-      <p:ext uri="{BB962C8B-B14F-4D97-AF65-F5344CB8AC3E}">
-        <p14:creationId xmlns:p14="http://schemas.microsoft.com/office/powerpoint/2010/main" val="1727960841"/>
-      </p:ext>
-    </p:extLst>
-  </p:cSld>
-  <p:clrMapOvr>
-    <a:masterClrMapping/>
-  </p:clrMapOvr>
-</p:sld>
-</file>
-
-<file path=ppt/slides/slide20.xml><?xml version="1.0" encoding="utf-8"?>
+<file path=ppt/slides/slide19.xml><?xml version="1.0" encoding="utf-8"?>
 <p:sld xmlns:a="http://schemas.openxmlformats.org/drawingml/2006/main" xmlns:r="http://schemas.openxmlformats.org/officeDocument/2006/relationships" xmlns:p="http://schemas.openxmlformats.org/presentationml/2006/main">
   <p:cSld>
     <p:spTree>
@@ -11648,7 +11432,93 @@
 </p:sld>
 </file>
 
-<file path=ppt/slides/slide21.xml><?xml version="1.0" encoding="utf-8"?>
+<file path=ppt/slides/slide2.xml><?xml version="1.0" encoding="utf-8"?>
+<p:sld xmlns:a="http://schemas.openxmlformats.org/drawingml/2006/main" xmlns:r="http://schemas.openxmlformats.org/officeDocument/2006/relationships" xmlns:p="http://schemas.openxmlformats.org/presentationml/2006/main">
+  <p:cSld>
+    <p:spTree>
+      <p:nvGrpSpPr>
+        <p:cNvPr id="1" name=""/>
+        <p:cNvGrpSpPr/>
+        <p:nvPr/>
+      </p:nvGrpSpPr>
+      <p:grpSpPr>
+        <a:xfrm>
+          <a:off x="0" y="0"/>
+          <a:ext cx="0" cy="0"/>
+          <a:chOff x="0" y="0"/>
+          <a:chExt cx="0" cy="0"/>
+        </a:xfrm>
+      </p:grpSpPr>
+      <p:sp>
+        <p:nvSpPr>
+          <p:cNvPr id="17410" name="Title 1"/>
+          <p:cNvSpPr>
+            <a:spLocks noGrp="1"/>
+          </p:cNvSpPr>
+          <p:nvPr>
+            <p:ph type="title"/>
+          </p:nvPr>
+        </p:nvSpPr>
+        <p:spPr/>
+        <p:txBody>
+          <a:bodyPr/>
+          <a:lstStyle/>
+          <a:p>
+            <a:r>
+              <a:rPr lang="en-US" dirty="0">
+                <a:solidFill>
+                  <a:schemeClr val="tx1"/>
+                </a:solidFill>
+              </a:rPr>
+              <a:t>Audience</a:t>
+            </a:r>
+          </a:p>
+        </p:txBody>
+      </p:sp>
+      <p:sp>
+        <p:nvSpPr>
+          <p:cNvPr id="3" name="Content Placeholder 2"/>
+          <p:cNvSpPr>
+            <a:spLocks noGrp="1"/>
+          </p:cNvSpPr>
+          <p:nvPr>
+            <p:ph idx="1"/>
+          </p:nvPr>
+        </p:nvSpPr>
+        <p:spPr>
+          <a:xfrm>
+            <a:off x="457200" y="1131590"/>
+            <a:ext cx="8229600" cy="3394472"/>
+          </a:xfrm>
+        </p:spPr>
+        <p:txBody>
+          <a:bodyPr>
+            <a:normAutofit/>
+          </a:bodyPr>
+          <a:lstStyle/>
+          <a:p>
+            <a:r>
+              <a:rPr lang="en-US" sz="2600" dirty="0"/>
+              <a:t>.NET Developers</a:t>
+            </a:r>
+          </a:p>
+          <a:p>
+            <a:r>
+              <a:rPr lang="en-US" sz="2600" dirty="0"/>
+              <a:t>In need of running a background task</a:t>
+            </a:r>
+          </a:p>
+        </p:txBody>
+      </p:sp>
+    </p:spTree>
+  </p:cSld>
+  <p:clrMapOvr>
+    <a:masterClrMapping/>
+  </p:clrMapOvr>
+</p:sld>
+</file>
+
+<file path=ppt/slides/slide20.xml><?xml version="1.0" encoding="utf-8"?>
 <p:sld xmlns:a="http://schemas.openxmlformats.org/drawingml/2006/main" xmlns:r="http://schemas.openxmlformats.org/officeDocument/2006/relationships" xmlns:p="http://schemas.openxmlformats.org/presentationml/2006/main">
   <p:cSld>
     <p:spTree>
@@ -11825,7 +11695,7 @@
 </p:sld>
 </file>
 
-<file path=ppt/slides/slide22.xml><?xml version="1.0" encoding="utf-8"?>
+<file path=ppt/slides/slide21.xml><?xml version="1.0" encoding="utf-8"?>
 <p:sld xmlns:a="http://schemas.openxmlformats.org/drawingml/2006/main" xmlns:r="http://schemas.openxmlformats.org/officeDocument/2006/relationships" xmlns:p="http://schemas.openxmlformats.org/presentationml/2006/main">
   <p:cSld>
     <p:spTree>
@@ -12112,6 +11982,41 @@
                                   </p:subTnLst>
                                 </p:cTn>
                               </p:par>
+                              <p:par>
+                                <p:cTn id="8" presetID="10" presetClass="entr" presetSubtype="0" fill="hold" nodeType="withEffect">
+                                  <p:stCondLst>
+                                    <p:cond delay="0"/>
+                                  </p:stCondLst>
+                                  <p:childTnLst>
+                                    <p:set>
+                                      <p:cBhvr>
+                                        <p:cTn id="9" dur="1" fill="hold">
+                                          <p:stCondLst>
+                                            <p:cond delay="0"/>
+                                          </p:stCondLst>
+                                        </p:cTn>
+                                        <p:tgtEl>
+                                          <p:spTgt spid="2"/>
+                                        </p:tgtEl>
+                                        <p:attrNameLst>
+                                          <p:attrName>style.visibility</p:attrName>
+                                        </p:attrNameLst>
+                                      </p:cBhvr>
+                                      <p:to>
+                                        <p:strVal val="visible"/>
+                                      </p:to>
+                                    </p:set>
+                                    <p:animEffect transition="in" filter="fade">
+                                      <p:cBhvr>
+                                        <p:cTn id="10" dur="500"/>
+                                        <p:tgtEl>
+                                          <p:spTgt spid="2"/>
+                                        </p:tgtEl>
+                                      </p:cBhvr>
+                                    </p:animEffect>
+                                  </p:childTnLst>
+                                </p:cTn>
+                              </p:par>
                             </p:childTnLst>
                           </p:cTn>
                         </p:par>
@@ -12119,26 +12024,26 @@
                     </p:cTn>
                   </p:par>
                   <p:par>
-                    <p:cTn id="8" fill="hold">
+                    <p:cTn id="11" fill="hold">
                       <p:stCondLst>
                         <p:cond delay="indefinite"/>
                       </p:stCondLst>
                       <p:childTnLst>
                         <p:par>
-                          <p:cTn id="9" fill="hold">
+                          <p:cTn id="12" fill="hold">
                             <p:stCondLst>
                               <p:cond delay="0"/>
                             </p:stCondLst>
                             <p:childTnLst>
                               <p:par>
-                                <p:cTn id="10" presetID="10" presetClass="entr" presetSubtype="0" fill="hold" grpId="0" nodeType="clickEffect">
+                                <p:cTn id="13" presetID="10" presetClass="entr" presetSubtype="0" fill="hold" grpId="0" nodeType="clickEffect">
                                   <p:stCondLst>
                                     <p:cond delay="0"/>
                                   </p:stCondLst>
                                   <p:childTnLst>
                                     <p:set>
                                       <p:cBhvr>
-                                        <p:cTn id="11" dur="1" fill="hold">
+                                        <p:cTn id="14" dur="1" fill="hold">
                                           <p:stCondLst>
                                             <p:cond delay="0"/>
                                           </p:stCondLst>
@@ -12160,7 +12065,7 @@
                                     </p:set>
                                     <p:animEffect transition="in" filter="fade">
                                       <p:cBhvr>
-                                        <p:cTn id="12" dur="500"/>
+                                        <p:cTn id="15" dur="500"/>
                                         <p:tgtEl>
                                           <p:spTgt spid="3">
                                             <p:txEl>
@@ -12200,26 +12105,26 @@
                     </p:cTn>
                   </p:par>
                   <p:par>
-                    <p:cTn id="13" fill="hold">
+                    <p:cTn id="16" fill="hold">
                       <p:stCondLst>
                         <p:cond delay="indefinite"/>
                       </p:stCondLst>
                       <p:childTnLst>
                         <p:par>
-                          <p:cTn id="14" fill="hold">
+                          <p:cTn id="17" fill="hold">
                             <p:stCondLst>
                               <p:cond delay="0"/>
                             </p:stCondLst>
                             <p:childTnLst>
                               <p:par>
-                                <p:cTn id="15" presetID="10" presetClass="entr" presetSubtype="0" fill="hold" grpId="0" nodeType="clickEffect">
+                                <p:cTn id="18" presetID="10" presetClass="entr" presetSubtype="0" fill="hold" grpId="0" nodeType="clickEffect">
                                   <p:stCondLst>
                                     <p:cond delay="0"/>
                                   </p:stCondLst>
                                   <p:childTnLst>
                                     <p:set>
                                       <p:cBhvr>
-                                        <p:cTn id="16" dur="1" fill="hold">
+                                        <p:cTn id="19" dur="1" fill="hold">
                                           <p:stCondLst>
                                             <p:cond delay="0"/>
                                           </p:stCondLst>
@@ -12241,7 +12146,7 @@
                                     </p:set>
                                     <p:animEffect transition="in" filter="fade">
                                       <p:cBhvr>
-                                        <p:cTn id="17" dur="500"/>
+                                        <p:cTn id="20" dur="500"/>
                                         <p:tgtEl>
                                           <p:spTgt spid="3">
                                             <p:txEl>
@@ -12281,26 +12186,26 @@
                     </p:cTn>
                   </p:par>
                   <p:par>
-                    <p:cTn id="18" fill="hold">
+                    <p:cTn id="21" fill="hold">
                       <p:stCondLst>
                         <p:cond delay="indefinite"/>
                       </p:stCondLst>
                       <p:childTnLst>
                         <p:par>
-                          <p:cTn id="19" fill="hold">
+                          <p:cTn id="22" fill="hold">
                             <p:stCondLst>
                               <p:cond delay="0"/>
                             </p:stCondLst>
                             <p:childTnLst>
                               <p:par>
-                                <p:cTn id="20" presetID="10" presetClass="entr" presetSubtype="0" fill="hold" grpId="0" nodeType="clickEffect">
+                                <p:cTn id="23" presetID="10" presetClass="entr" presetSubtype="0" fill="hold" grpId="0" nodeType="clickEffect">
                                   <p:stCondLst>
                                     <p:cond delay="0"/>
                                   </p:stCondLst>
                                   <p:childTnLst>
                                     <p:set>
                                       <p:cBhvr>
-                                        <p:cTn id="21" dur="1" fill="hold">
+                                        <p:cTn id="24" dur="1" fill="hold">
                                           <p:stCondLst>
                                             <p:cond delay="0"/>
                                           </p:stCondLst>
@@ -12322,7 +12227,7 @@
                                     </p:set>
                                     <p:animEffect transition="in" filter="fade">
                                       <p:cBhvr>
-                                        <p:cTn id="22" dur="500"/>
+                                        <p:cTn id="25" dur="500"/>
                                         <p:tgtEl>
                                           <p:spTgt spid="3">
                                             <p:txEl>
@@ -12362,82 +12267,19 @@
                     </p:cTn>
                   </p:par>
                   <p:par>
-                    <p:cTn id="23" fill="hold">
+                    <p:cTn id="26" fill="hold">
                       <p:stCondLst>
                         <p:cond delay="indefinite"/>
                       </p:stCondLst>
                       <p:childTnLst>
                         <p:par>
-                          <p:cTn id="24" fill="hold">
+                          <p:cTn id="27" fill="hold">
                             <p:stCondLst>
                               <p:cond delay="0"/>
                             </p:stCondLst>
                             <p:childTnLst>
                               <p:par>
-                                <p:cTn id="25" presetID="10" presetClass="entr" presetSubtype="0" fill="hold" grpId="0" nodeType="clickEffect">
-                                  <p:stCondLst>
-                                    <p:cond delay="0"/>
-                                  </p:stCondLst>
-                                  <p:childTnLst>
-                                    <p:set>
-                                      <p:cBhvr>
-                                        <p:cTn id="26" dur="1" fill="hold">
-                                          <p:stCondLst>
-                                            <p:cond delay="0"/>
-                                          </p:stCondLst>
-                                        </p:cTn>
-                                        <p:tgtEl>
-                                          <p:spTgt spid="3">
-                                            <p:txEl>
-                                              <p:pRg st="4" end="4"/>
-                                            </p:txEl>
-                                          </p:spTgt>
-                                        </p:tgtEl>
-                                        <p:attrNameLst>
-                                          <p:attrName>style.visibility</p:attrName>
-                                        </p:attrNameLst>
-                                      </p:cBhvr>
-                                      <p:to>
-                                        <p:strVal val="visible"/>
-                                      </p:to>
-                                    </p:set>
-                                    <p:animEffect transition="in" filter="fade">
-                                      <p:cBhvr>
-                                        <p:cTn id="27" dur="500"/>
-                                        <p:tgtEl>
-                                          <p:spTgt spid="3">
-                                            <p:txEl>
-                                              <p:pRg st="4" end="4"/>
-                                            </p:txEl>
-                                          </p:spTgt>
-                                        </p:tgtEl>
-                                      </p:cBhvr>
-                                    </p:animEffect>
-                                  </p:childTnLst>
-                                  <p:subTnLst>
-                                    <p:animClr clrSpc="rgb" dir="cw">
-                                      <p:cBhvr override="childStyle">
-                                        <p:cTn dur="1" fill="hold" display="0" masterRel="nextClick" afterEffect="1"/>
-                                        <p:tgtEl>
-                                          <p:spTgt spid="3">
-                                            <p:txEl>
-                                              <p:pRg st="4" end="4"/>
-                                            </p:txEl>
-                                          </p:spTgt>
-                                        </p:tgtEl>
-                                        <p:attrNameLst>
-                                          <p:attrName>ppt_c</p:attrName>
-                                        </p:attrNameLst>
-                                      </p:cBhvr>
-                                      <p:to>
-                                        <a:srgbClr val="B2B2B2"/>
-                                      </p:to>
-                                    </p:animClr>
-                                  </p:subTnLst>
-                                </p:cTn>
-                              </p:par>
-                              <p:par>
-                                <p:cTn id="28" presetID="10" presetClass="entr" presetSubtype="0" fill="hold" nodeType="withEffect">
+                                <p:cTn id="28" presetID="10" presetClass="entr" presetSubtype="0" fill="hold" grpId="0" nodeType="clickEffect">
                                   <p:stCondLst>
                                     <p:cond delay="0"/>
                                   </p:stCondLst>
@@ -12450,7 +12292,11 @@
                                           </p:stCondLst>
                                         </p:cTn>
                                         <p:tgtEl>
-                                          <p:spTgt spid="2"/>
+                                          <p:spTgt spid="3">
+                                            <p:txEl>
+                                              <p:pRg st="4" end="4"/>
+                                            </p:txEl>
+                                          </p:spTgt>
                                         </p:tgtEl>
                                         <p:attrNameLst>
                                           <p:attrName>style.visibility</p:attrName>
@@ -12464,26 +12310,34 @@
                                       <p:cBhvr>
                                         <p:cTn id="30" dur="500"/>
                                         <p:tgtEl>
-                                          <p:spTgt spid="2"/>
+                                          <p:spTgt spid="3">
+                                            <p:txEl>
+                                              <p:pRg st="4" end="4"/>
+                                            </p:txEl>
+                                          </p:spTgt>
                                         </p:tgtEl>
                                       </p:cBhvr>
                                     </p:animEffect>
                                   </p:childTnLst>
                                   <p:subTnLst>
-                                    <p:set>
+                                    <p:animClr clrSpc="rgb" dir="cw">
                                       <p:cBhvr override="childStyle">
                                         <p:cTn dur="1" fill="hold" display="0" masterRel="nextClick" afterEffect="1"/>
                                         <p:tgtEl>
-                                          <p:spTgt spid="2"/>
+                                          <p:spTgt spid="3">
+                                            <p:txEl>
+                                              <p:pRg st="4" end="4"/>
+                                            </p:txEl>
+                                          </p:spTgt>
                                         </p:tgtEl>
                                         <p:attrNameLst>
-                                          <p:attrName>style.visibility</p:attrName>
+                                          <p:attrName>ppt_c</p:attrName>
                                         </p:attrNameLst>
                                       </p:cBhvr>
                                       <p:to>
-                                        <p:strVal val="hidden"/>
+                                        <a:srgbClr val="B2B2B2"/>
                                       </p:to>
-                                    </p:set>
+                                    </p:animClr>
                                   </p:subTnLst>
                                 </p:cTn>
                               </p:par>
@@ -12515,13 +12369,13 @@
       </p:par>
     </p:tnLst>
     <p:bldLst>
-      <p:bldP spid="3" grpId="0" build="p"/>
+      <p:bldP spid="3" grpId="0" uiExpand="1" build="p"/>
     </p:bldLst>
   </p:timing>
 </p:sld>
 </file>
 
-<file path=ppt/slides/slide23.xml><?xml version="1.0" encoding="utf-8"?>
+<file path=ppt/slides/slide22.xml><?xml version="1.0" encoding="utf-8"?>
 <p:sld xmlns:a="http://schemas.openxmlformats.org/drawingml/2006/main" xmlns:r="http://schemas.openxmlformats.org/officeDocument/2006/relationships" xmlns:p="http://schemas.openxmlformats.org/presentationml/2006/main">
   <p:cSld>
     <p:spTree>
@@ -12587,7 +12441,7 @@
 </p:sld>
 </file>
 
-<file path=ppt/slides/slide24.xml><?xml version="1.0" encoding="utf-8"?>
+<file path=ppt/slides/slide23.xml><?xml version="1.0" encoding="utf-8"?>
 <p:sld xmlns:a="http://schemas.openxmlformats.org/drawingml/2006/main" xmlns:r="http://schemas.openxmlformats.org/officeDocument/2006/relationships" xmlns:p="http://schemas.openxmlformats.org/presentationml/2006/main">
   <p:cSld>
     <p:spTree>
@@ -13009,7 +12863,7 @@
 </p:sld>
 </file>
 
-<file path=ppt/slides/slide25.xml><?xml version="1.0" encoding="utf-8"?>
+<file path=ppt/slides/slide24.xml><?xml version="1.0" encoding="utf-8"?>
 <p:sld xmlns:a="http://schemas.openxmlformats.org/drawingml/2006/main" xmlns:r="http://schemas.openxmlformats.org/officeDocument/2006/relationships" xmlns:p="http://schemas.openxmlformats.org/presentationml/2006/main">
   <p:cSld>
     <p:spTree>
@@ -13508,7 +13362,7 @@
 </p:sld>
 </file>
 
-<file path=ppt/slides/slide26.xml><?xml version="1.0" encoding="utf-8"?>
+<file path=ppt/slides/slide25.xml><?xml version="1.0" encoding="utf-8"?>
 <p:sld xmlns:a="http://schemas.openxmlformats.org/drawingml/2006/main" xmlns:r="http://schemas.openxmlformats.org/officeDocument/2006/relationships" xmlns:p="http://schemas.openxmlformats.org/presentationml/2006/main">
   <p:cSld>
     <p:spTree>
@@ -13718,7 +13572,7 @@
 </p:sld>
 </file>
 
-<file path=ppt/slides/slide27.xml><?xml version="1.0" encoding="utf-8"?>
+<file path=ppt/slides/slide26.xml><?xml version="1.0" encoding="utf-8"?>
 <p:sld xmlns:a="http://schemas.openxmlformats.org/drawingml/2006/main" xmlns:r="http://schemas.openxmlformats.org/officeDocument/2006/relationships" xmlns:p="http://schemas.openxmlformats.org/presentationml/2006/main">
   <p:cSld>
     <p:spTree>
@@ -13856,7 +13710,7 @@
           <a:p>
             <a:r>
               <a:rPr lang="en-US" sz="2600" dirty="0"/>
-              <a:t>Registers Work class as </a:t>
+              <a:t>Registers Worker class as </a:t>
             </a:r>
             <a:r>
               <a:rPr lang="en-US" sz="2600" dirty="0" err="1"/>
@@ -14481,7 +14335,7 @@
 </p:sld>
 </file>
 
-<file path=ppt/slides/slide28.xml><?xml version="1.0" encoding="utf-8"?>
+<file path=ppt/slides/slide27.xml><?xml version="1.0" encoding="utf-8"?>
 <p:sld xmlns:a="http://schemas.openxmlformats.org/drawingml/2006/main" xmlns:r="http://schemas.openxmlformats.org/officeDocument/2006/relationships" xmlns:p="http://schemas.openxmlformats.org/presentationml/2006/main">
   <p:cSld>
     <p:spTree>
@@ -14658,7 +14512,7 @@
 </p:sld>
 </file>
 
-<file path=ppt/slides/slide29.xml><?xml version="1.0" encoding="utf-8"?>
+<file path=ppt/slides/slide28.xml><?xml version="1.0" encoding="utf-8"?>
 <p:sld xmlns:a="http://schemas.openxmlformats.org/drawingml/2006/main" xmlns:r="http://schemas.openxmlformats.org/officeDocument/2006/relationships" xmlns:p="http://schemas.openxmlformats.org/presentationml/2006/main">
   <p:cSld>
     <p:spTree>
@@ -15035,93 +14889,7 @@
 </p:sld>
 </file>
 
-<file path=ppt/slides/slide3.xml><?xml version="1.0" encoding="utf-8"?>
-<p:sld xmlns:a="http://schemas.openxmlformats.org/drawingml/2006/main" xmlns:r="http://schemas.openxmlformats.org/officeDocument/2006/relationships" xmlns:p="http://schemas.openxmlformats.org/presentationml/2006/main">
-  <p:cSld>
-    <p:spTree>
-      <p:nvGrpSpPr>
-        <p:cNvPr id="1" name=""/>
-        <p:cNvGrpSpPr/>
-        <p:nvPr/>
-      </p:nvGrpSpPr>
-      <p:grpSpPr>
-        <a:xfrm>
-          <a:off x="0" y="0"/>
-          <a:ext cx="0" cy="0"/>
-          <a:chOff x="0" y="0"/>
-          <a:chExt cx="0" cy="0"/>
-        </a:xfrm>
-      </p:grpSpPr>
-      <p:sp>
-        <p:nvSpPr>
-          <p:cNvPr id="17410" name="Title 1"/>
-          <p:cNvSpPr>
-            <a:spLocks noGrp="1"/>
-          </p:cNvSpPr>
-          <p:nvPr>
-            <p:ph type="title"/>
-          </p:nvPr>
-        </p:nvSpPr>
-        <p:spPr/>
-        <p:txBody>
-          <a:bodyPr/>
-          <a:lstStyle/>
-          <a:p>
-            <a:r>
-              <a:rPr lang="en-US" dirty="0">
-                <a:solidFill>
-                  <a:schemeClr val="tx1"/>
-                </a:solidFill>
-              </a:rPr>
-              <a:t>Audience</a:t>
-            </a:r>
-          </a:p>
-        </p:txBody>
-      </p:sp>
-      <p:sp>
-        <p:nvSpPr>
-          <p:cNvPr id="3" name="Content Placeholder 2"/>
-          <p:cNvSpPr>
-            <a:spLocks noGrp="1"/>
-          </p:cNvSpPr>
-          <p:nvPr>
-            <p:ph idx="1"/>
-          </p:nvPr>
-        </p:nvSpPr>
-        <p:spPr>
-          <a:xfrm>
-            <a:off x="457200" y="1131590"/>
-            <a:ext cx="8229600" cy="3394472"/>
-          </a:xfrm>
-        </p:spPr>
-        <p:txBody>
-          <a:bodyPr>
-            <a:normAutofit/>
-          </a:bodyPr>
-          <a:lstStyle/>
-          <a:p>
-            <a:r>
-              <a:rPr lang="en-US" sz="2600" dirty="0"/>
-              <a:t>.NET Developers</a:t>
-            </a:r>
-          </a:p>
-          <a:p>
-            <a:r>
-              <a:rPr lang="en-US" sz="2600" dirty="0"/>
-              <a:t>In need of running a background task</a:t>
-            </a:r>
-          </a:p>
-        </p:txBody>
-      </p:sp>
-    </p:spTree>
-  </p:cSld>
-  <p:clrMapOvr>
-    <a:masterClrMapping/>
-  </p:clrMapOvr>
-</p:sld>
-</file>
-
-<file path=ppt/slides/slide30.xml><?xml version="1.0" encoding="utf-8"?>
+<file path=ppt/slides/slide29.xml><?xml version="1.0" encoding="utf-8"?>
 <p:sld xmlns:a="http://schemas.openxmlformats.org/drawingml/2006/main" xmlns:r="http://schemas.openxmlformats.org/officeDocument/2006/relationships" xmlns:p="http://schemas.openxmlformats.org/presentationml/2006/main">
   <p:cSld>
     <p:spTree>
@@ -15593,7 +15361,177 @@
 </p:sld>
 </file>
 
-<file path=ppt/slides/slide31.xml><?xml version="1.0" encoding="utf-8"?>
+<file path=ppt/slides/slide3.xml><?xml version="1.0" encoding="utf-8"?>
+<p:sld xmlns:a="http://schemas.openxmlformats.org/drawingml/2006/main" xmlns:r="http://schemas.openxmlformats.org/officeDocument/2006/relationships" xmlns:p="http://schemas.openxmlformats.org/presentationml/2006/main">
+  <p:cSld>
+    <p:spTree>
+      <p:nvGrpSpPr>
+        <p:cNvPr id="1" name="">
+          <a:extLst>
+            <a:ext uri="{FF2B5EF4-FFF2-40B4-BE49-F238E27FC236}">
+              <a16:creationId xmlns:a16="http://schemas.microsoft.com/office/drawing/2014/main" id="{FACA3756-D68A-A936-B2E2-5B903072F3EB}"/>
+            </a:ext>
+          </a:extLst>
+        </p:cNvPr>
+        <p:cNvGrpSpPr/>
+        <p:nvPr/>
+      </p:nvGrpSpPr>
+      <p:grpSpPr>
+        <a:xfrm>
+          <a:off x="0" y="0"/>
+          <a:ext cx="0" cy="0"/>
+          <a:chOff x="0" y="0"/>
+          <a:chExt cx="0" cy="0"/>
+        </a:xfrm>
+      </p:grpSpPr>
+      <p:sp>
+        <p:nvSpPr>
+          <p:cNvPr id="17410" name="Title 1">
+            <a:extLst>
+              <a:ext uri="{FF2B5EF4-FFF2-40B4-BE49-F238E27FC236}">
+                <a16:creationId xmlns:a16="http://schemas.microsoft.com/office/drawing/2014/main" id="{F2801D56-310E-0A51-5333-D6027FD939EC}"/>
+              </a:ext>
+            </a:extLst>
+          </p:cNvPr>
+          <p:cNvSpPr>
+            <a:spLocks noGrp="1"/>
+          </p:cNvSpPr>
+          <p:nvPr>
+            <p:ph type="title"/>
+          </p:nvPr>
+        </p:nvSpPr>
+        <p:spPr/>
+        <p:txBody>
+          <a:bodyPr/>
+          <a:lstStyle/>
+          <a:p>
+            <a:r>
+              <a:rPr lang="en-US" dirty="0">
+                <a:solidFill>
+                  <a:schemeClr val="tx1"/>
+                </a:solidFill>
+              </a:rPr>
+              <a:t>Agenda</a:t>
+            </a:r>
+          </a:p>
+        </p:txBody>
+      </p:sp>
+      <p:sp>
+        <p:nvSpPr>
+          <p:cNvPr id="3" name="Content Placeholder 2">
+            <a:extLst>
+              <a:ext uri="{FF2B5EF4-FFF2-40B4-BE49-F238E27FC236}">
+                <a16:creationId xmlns:a16="http://schemas.microsoft.com/office/drawing/2014/main" id="{71EFE4C9-0C86-79D2-41F6-1D61A36B5941}"/>
+              </a:ext>
+            </a:extLst>
+          </p:cNvPr>
+          <p:cNvSpPr>
+            <a:spLocks noGrp="1"/>
+          </p:cNvSpPr>
+          <p:nvPr>
+            <p:ph idx="1"/>
+          </p:nvPr>
+        </p:nvSpPr>
+        <p:spPr>
+          <a:xfrm>
+            <a:off x="457200" y="1131590"/>
+            <a:ext cx="8229600" cy="3888432"/>
+          </a:xfrm>
+        </p:spPr>
+        <p:txBody>
+          <a:bodyPr>
+            <a:noAutofit/>
+          </a:bodyPr>
+          <a:lstStyle/>
+          <a:p>
+            <a:r>
+              <a:rPr lang="en-US" sz="1800" dirty="0"/>
+              <a:t>What are background tasks/jobs?</a:t>
+            </a:r>
+          </a:p>
+          <a:p>
+            <a:r>
+              <a:rPr lang="en-US" sz="1800" dirty="0"/>
+              <a:t>What type of problems are suitable for a background task/job?</a:t>
+            </a:r>
+          </a:p>
+          <a:p>
+            <a:r>
+              <a:rPr lang="en-US" sz="1800" dirty="0"/>
+              <a:t>What options are out there?</a:t>
+            </a:r>
+          </a:p>
+          <a:p>
+            <a:pPr lvl="1"/>
+            <a:r>
+              <a:rPr lang="en-US" sz="1800" dirty="0" err="1"/>
+              <a:t>IHostedService</a:t>
+            </a:r>
+            <a:endParaRPr lang="en-US" sz="1800" dirty="0"/>
+          </a:p>
+          <a:p>
+            <a:pPr lvl="1"/>
+            <a:r>
+              <a:rPr lang="en-US" sz="1800" dirty="0" err="1"/>
+              <a:t>BackgroundService</a:t>
+            </a:r>
+            <a:endParaRPr lang="en-US" sz="1800" dirty="0"/>
+          </a:p>
+          <a:p>
+            <a:pPr lvl="1"/>
+            <a:r>
+              <a:rPr lang="en-US" sz="1800" dirty="0"/>
+              <a:t>Worker Service</a:t>
+            </a:r>
+          </a:p>
+          <a:p>
+            <a:pPr lvl="1"/>
+            <a:r>
+              <a:rPr lang="en-US" sz="1800" dirty="0" err="1"/>
+              <a:t>Hangfire</a:t>
+            </a:r>
+            <a:endParaRPr lang="en-US" sz="1800" dirty="0"/>
+          </a:p>
+          <a:p>
+            <a:r>
+              <a:rPr lang="en-US" sz="1800" dirty="0"/>
+              <a:t>Why would I choose one over the other?</a:t>
+            </a:r>
+          </a:p>
+          <a:p>
+            <a:r>
+              <a:rPr lang="en-US" sz="1800" dirty="0"/>
+              <a:t>Deep dive into each</a:t>
+            </a:r>
+          </a:p>
+          <a:p>
+            <a:r>
+              <a:rPr lang="en-US" sz="1800" dirty="0"/>
+              <a:t>Demos</a:t>
+            </a:r>
+          </a:p>
+          <a:p>
+            <a:r>
+              <a:rPr lang="en-US" sz="1800" dirty="0"/>
+              <a:t>Questions</a:t>
+            </a:r>
+          </a:p>
+        </p:txBody>
+      </p:sp>
+    </p:spTree>
+    <p:extLst>
+      <p:ext uri="{BB962C8B-B14F-4D97-AF65-F5344CB8AC3E}">
+        <p14:creationId xmlns:p14="http://schemas.microsoft.com/office/powerpoint/2010/main" val="249338707"/>
+      </p:ext>
+    </p:extLst>
+  </p:cSld>
+  <p:clrMapOvr>
+    <a:masterClrMapping/>
+  </p:clrMapOvr>
+</p:sld>
+</file>
+
+<file path=ppt/slides/slide30.xml><?xml version="1.0" encoding="utf-8"?>
 <p:sld xmlns:a="http://schemas.openxmlformats.org/drawingml/2006/main" xmlns:r="http://schemas.openxmlformats.org/officeDocument/2006/relationships" xmlns:p="http://schemas.openxmlformats.org/presentationml/2006/main">
   <p:cSld>
     <p:spTree>
@@ -16072,7 +16010,7 @@
 </p:sld>
 </file>
 
-<file path=ppt/slides/slide32.xml><?xml version="1.0" encoding="utf-8"?>
+<file path=ppt/slides/slide31.xml><?xml version="1.0" encoding="utf-8"?>
 <p:sld xmlns:a="http://schemas.openxmlformats.org/drawingml/2006/main" xmlns:r="http://schemas.openxmlformats.org/officeDocument/2006/relationships" xmlns:p="http://schemas.openxmlformats.org/presentationml/2006/main">
   <p:cSld>
     <p:spTree>
@@ -16481,7 +16419,7 @@
 </p:sld>
 </file>
 
-<file path=ppt/slides/slide33.xml><?xml version="1.0" encoding="utf-8"?>
+<file path=ppt/slides/slide32.xml><?xml version="1.0" encoding="utf-8"?>
 <p:sld xmlns:a="http://schemas.openxmlformats.org/drawingml/2006/main" xmlns:r="http://schemas.openxmlformats.org/officeDocument/2006/relationships" xmlns:p="http://schemas.openxmlformats.org/presentationml/2006/main">
   <p:cSld>
     <p:spTree>
@@ -16678,7 +16616,7 @@
 </p:sld>
 </file>
 
-<file path=ppt/slides/slide34.xml><?xml version="1.0" encoding="utf-8"?>
+<file path=ppt/slides/slide33.xml><?xml version="1.0" encoding="utf-8"?>
 <p:sld xmlns:a="http://schemas.openxmlformats.org/drawingml/2006/main" xmlns:r="http://schemas.openxmlformats.org/officeDocument/2006/relationships" xmlns:p="http://schemas.openxmlformats.org/presentationml/2006/main">
   <p:cSld>
     <p:spTree>
@@ -17525,7 +17463,7 @@
 </p:sld>
 </file>
 
-<file path=ppt/slides/slide35.xml><?xml version="1.0" encoding="utf-8"?>
+<file path=ppt/slides/slide34.xml><?xml version="1.0" encoding="utf-8"?>
 <p:sld xmlns:a="http://schemas.openxmlformats.org/drawingml/2006/main" xmlns:r="http://schemas.openxmlformats.org/officeDocument/2006/relationships" xmlns:p="http://schemas.openxmlformats.org/presentationml/2006/main">
   <p:cSld>
     <p:spTree>
@@ -17702,7 +17640,7 @@
 </p:sld>
 </file>
 
-<file path=ppt/slides/slide36.xml><?xml version="1.0" encoding="utf-8"?>
+<file path=ppt/slides/slide35.xml><?xml version="1.0" encoding="utf-8"?>
 <p:sld xmlns:a="http://schemas.openxmlformats.org/drawingml/2006/main" xmlns:r="http://schemas.openxmlformats.org/officeDocument/2006/relationships" xmlns:p="http://schemas.openxmlformats.org/presentationml/2006/main">
   <p:cSld>
     <p:spTree>
@@ -17840,6 +17778,521 @@
     <p:extLst>
       <p:ext uri="{BB962C8B-B14F-4D97-AF65-F5344CB8AC3E}">
         <p14:creationId xmlns:p14="http://schemas.microsoft.com/office/powerpoint/2010/main" val="3002742877"/>
+      </p:ext>
+    </p:extLst>
+  </p:cSld>
+  <p:clrMapOvr>
+    <a:masterClrMapping/>
+  </p:clrMapOvr>
+  <p:timing>
+    <p:tnLst>
+      <p:par>
+        <p:cTn id="1" dur="indefinite" restart="never" nodeType="tmRoot">
+          <p:childTnLst>
+            <p:seq concurrent="1" nextAc="seek">
+              <p:cTn id="2" dur="indefinite" nodeType="mainSeq">
+                <p:childTnLst>
+                  <p:par>
+                    <p:cTn id="3" fill="hold">
+                      <p:stCondLst>
+                        <p:cond delay="indefinite"/>
+                      </p:stCondLst>
+                      <p:childTnLst>
+                        <p:par>
+                          <p:cTn id="4" fill="hold">
+                            <p:stCondLst>
+                              <p:cond delay="0"/>
+                            </p:stCondLst>
+                            <p:childTnLst>
+                              <p:par>
+                                <p:cTn id="5" presetID="10" presetClass="entr" presetSubtype="0" fill="hold" grpId="0" nodeType="clickEffect">
+                                  <p:stCondLst>
+                                    <p:cond delay="0"/>
+                                  </p:stCondLst>
+                                  <p:childTnLst>
+                                    <p:set>
+                                      <p:cBhvr>
+                                        <p:cTn id="6" dur="1" fill="hold">
+                                          <p:stCondLst>
+                                            <p:cond delay="0"/>
+                                          </p:stCondLst>
+                                        </p:cTn>
+                                        <p:tgtEl>
+                                          <p:spTgt spid="3">
+                                            <p:txEl>
+                                              <p:pRg st="0" end="0"/>
+                                            </p:txEl>
+                                          </p:spTgt>
+                                        </p:tgtEl>
+                                        <p:attrNameLst>
+                                          <p:attrName>style.visibility</p:attrName>
+                                        </p:attrNameLst>
+                                      </p:cBhvr>
+                                      <p:to>
+                                        <p:strVal val="visible"/>
+                                      </p:to>
+                                    </p:set>
+                                    <p:animEffect transition="in" filter="fade">
+                                      <p:cBhvr>
+                                        <p:cTn id="7" dur="500"/>
+                                        <p:tgtEl>
+                                          <p:spTgt spid="3">
+                                            <p:txEl>
+                                              <p:pRg st="0" end="0"/>
+                                            </p:txEl>
+                                          </p:spTgt>
+                                        </p:tgtEl>
+                                      </p:cBhvr>
+                                    </p:animEffect>
+                                  </p:childTnLst>
+                                  <p:subTnLst>
+                                    <p:animClr clrSpc="rgb" dir="cw">
+                                      <p:cBhvr override="childStyle">
+                                        <p:cTn dur="1" fill="hold" display="0" masterRel="nextClick" afterEffect="1"/>
+                                        <p:tgtEl>
+                                          <p:spTgt spid="3">
+                                            <p:txEl>
+                                              <p:pRg st="0" end="0"/>
+                                            </p:txEl>
+                                          </p:spTgt>
+                                        </p:tgtEl>
+                                        <p:attrNameLst>
+                                          <p:attrName>ppt_c</p:attrName>
+                                        </p:attrNameLst>
+                                      </p:cBhvr>
+                                      <p:to>
+                                        <a:srgbClr val="B2B2B2"/>
+                                      </p:to>
+                                    </p:animClr>
+                                  </p:subTnLst>
+                                </p:cTn>
+                              </p:par>
+                            </p:childTnLst>
+                          </p:cTn>
+                        </p:par>
+                      </p:childTnLst>
+                    </p:cTn>
+                  </p:par>
+                  <p:par>
+                    <p:cTn id="8" fill="hold">
+                      <p:stCondLst>
+                        <p:cond delay="indefinite"/>
+                      </p:stCondLst>
+                      <p:childTnLst>
+                        <p:par>
+                          <p:cTn id="9" fill="hold">
+                            <p:stCondLst>
+                              <p:cond delay="0"/>
+                            </p:stCondLst>
+                            <p:childTnLst>
+                              <p:par>
+                                <p:cTn id="10" presetID="10" presetClass="entr" presetSubtype="0" fill="hold" grpId="0" nodeType="clickEffect">
+                                  <p:stCondLst>
+                                    <p:cond delay="0"/>
+                                  </p:stCondLst>
+                                  <p:childTnLst>
+                                    <p:set>
+                                      <p:cBhvr>
+                                        <p:cTn id="11" dur="1" fill="hold">
+                                          <p:stCondLst>
+                                            <p:cond delay="0"/>
+                                          </p:stCondLst>
+                                        </p:cTn>
+                                        <p:tgtEl>
+                                          <p:spTgt spid="3">
+                                            <p:txEl>
+                                              <p:pRg st="1" end="1"/>
+                                            </p:txEl>
+                                          </p:spTgt>
+                                        </p:tgtEl>
+                                        <p:attrNameLst>
+                                          <p:attrName>style.visibility</p:attrName>
+                                        </p:attrNameLst>
+                                      </p:cBhvr>
+                                      <p:to>
+                                        <p:strVal val="visible"/>
+                                      </p:to>
+                                    </p:set>
+                                    <p:animEffect transition="in" filter="fade">
+                                      <p:cBhvr>
+                                        <p:cTn id="12" dur="500"/>
+                                        <p:tgtEl>
+                                          <p:spTgt spid="3">
+                                            <p:txEl>
+                                              <p:pRg st="1" end="1"/>
+                                            </p:txEl>
+                                          </p:spTgt>
+                                        </p:tgtEl>
+                                      </p:cBhvr>
+                                    </p:animEffect>
+                                  </p:childTnLst>
+                                  <p:subTnLst>
+                                    <p:animClr clrSpc="rgb" dir="cw">
+                                      <p:cBhvr override="childStyle">
+                                        <p:cTn dur="1" fill="hold" display="0" masterRel="nextClick" afterEffect="1"/>
+                                        <p:tgtEl>
+                                          <p:spTgt spid="3">
+                                            <p:txEl>
+                                              <p:pRg st="1" end="1"/>
+                                            </p:txEl>
+                                          </p:spTgt>
+                                        </p:tgtEl>
+                                        <p:attrNameLst>
+                                          <p:attrName>ppt_c</p:attrName>
+                                        </p:attrNameLst>
+                                      </p:cBhvr>
+                                      <p:to>
+                                        <a:srgbClr val="B2B2B2"/>
+                                      </p:to>
+                                    </p:animClr>
+                                  </p:subTnLst>
+                                </p:cTn>
+                              </p:par>
+                            </p:childTnLst>
+                          </p:cTn>
+                        </p:par>
+                      </p:childTnLst>
+                    </p:cTn>
+                  </p:par>
+                  <p:par>
+                    <p:cTn id="13" fill="hold">
+                      <p:stCondLst>
+                        <p:cond delay="indefinite"/>
+                      </p:stCondLst>
+                      <p:childTnLst>
+                        <p:par>
+                          <p:cTn id="14" fill="hold">
+                            <p:stCondLst>
+                              <p:cond delay="0"/>
+                            </p:stCondLst>
+                            <p:childTnLst>
+                              <p:par>
+                                <p:cTn id="15" presetID="10" presetClass="entr" presetSubtype="0" fill="hold" grpId="0" nodeType="clickEffect">
+                                  <p:stCondLst>
+                                    <p:cond delay="0"/>
+                                  </p:stCondLst>
+                                  <p:childTnLst>
+                                    <p:set>
+                                      <p:cBhvr>
+                                        <p:cTn id="16" dur="1" fill="hold">
+                                          <p:stCondLst>
+                                            <p:cond delay="0"/>
+                                          </p:stCondLst>
+                                        </p:cTn>
+                                        <p:tgtEl>
+                                          <p:spTgt spid="3">
+                                            <p:txEl>
+                                              <p:pRg st="2" end="2"/>
+                                            </p:txEl>
+                                          </p:spTgt>
+                                        </p:tgtEl>
+                                        <p:attrNameLst>
+                                          <p:attrName>style.visibility</p:attrName>
+                                        </p:attrNameLst>
+                                      </p:cBhvr>
+                                      <p:to>
+                                        <p:strVal val="visible"/>
+                                      </p:to>
+                                    </p:set>
+                                    <p:animEffect transition="in" filter="fade">
+                                      <p:cBhvr>
+                                        <p:cTn id="17" dur="500"/>
+                                        <p:tgtEl>
+                                          <p:spTgt spid="3">
+                                            <p:txEl>
+                                              <p:pRg st="2" end="2"/>
+                                            </p:txEl>
+                                          </p:spTgt>
+                                        </p:tgtEl>
+                                      </p:cBhvr>
+                                    </p:animEffect>
+                                  </p:childTnLst>
+                                  <p:subTnLst>
+                                    <p:animClr clrSpc="rgb" dir="cw">
+                                      <p:cBhvr override="childStyle">
+                                        <p:cTn dur="1" fill="hold" display="0" masterRel="nextClick" afterEffect="1"/>
+                                        <p:tgtEl>
+                                          <p:spTgt spid="3">
+                                            <p:txEl>
+                                              <p:pRg st="2" end="2"/>
+                                            </p:txEl>
+                                          </p:spTgt>
+                                        </p:tgtEl>
+                                        <p:attrNameLst>
+                                          <p:attrName>ppt_c</p:attrName>
+                                        </p:attrNameLst>
+                                      </p:cBhvr>
+                                      <p:to>
+                                        <a:srgbClr val="B2B2B2"/>
+                                      </p:to>
+                                    </p:animClr>
+                                  </p:subTnLst>
+                                </p:cTn>
+                              </p:par>
+                            </p:childTnLst>
+                          </p:cTn>
+                        </p:par>
+                      </p:childTnLst>
+                    </p:cTn>
+                  </p:par>
+                  <p:par>
+                    <p:cTn id="18" fill="hold">
+                      <p:stCondLst>
+                        <p:cond delay="indefinite"/>
+                      </p:stCondLst>
+                      <p:childTnLst>
+                        <p:par>
+                          <p:cTn id="19" fill="hold">
+                            <p:stCondLst>
+                              <p:cond delay="0"/>
+                            </p:stCondLst>
+                            <p:childTnLst>
+                              <p:par>
+                                <p:cTn id="20" presetID="10" presetClass="entr" presetSubtype="0" fill="hold" grpId="0" nodeType="clickEffect">
+                                  <p:stCondLst>
+                                    <p:cond delay="0"/>
+                                  </p:stCondLst>
+                                  <p:childTnLst>
+                                    <p:set>
+                                      <p:cBhvr>
+                                        <p:cTn id="21" dur="1" fill="hold">
+                                          <p:stCondLst>
+                                            <p:cond delay="0"/>
+                                          </p:stCondLst>
+                                        </p:cTn>
+                                        <p:tgtEl>
+                                          <p:spTgt spid="3">
+                                            <p:txEl>
+                                              <p:pRg st="3" end="3"/>
+                                            </p:txEl>
+                                          </p:spTgt>
+                                        </p:tgtEl>
+                                        <p:attrNameLst>
+                                          <p:attrName>style.visibility</p:attrName>
+                                        </p:attrNameLst>
+                                      </p:cBhvr>
+                                      <p:to>
+                                        <p:strVal val="visible"/>
+                                      </p:to>
+                                    </p:set>
+                                    <p:animEffect transition="in" filter="fade">
+                                      <p:cBhvr>
+                                        <p:cTn id="22" dur="500"/>
+                                        <p:tgtEl>
+                                          <p:spTgt spid="3">
+                                            <p:txEl>
+                                              <p:pRg st="3" end="3"/>
+                                            </p:txEl>
+                                          </p:spTgt>
+                                        </p:tgtEl>
+                                      </p:cBhvr>
+                                    </p:animEffect>
+                                  </p:childTnLst>
+                                  <p:subTnLst>
+                                    <p:animClr clrSpc="rgb" dir="cw">
+                                      <p:cBhvr override="childStyle">
+                                        <p:cTn dur="1" fill="hold" display="0" masterRel="nextClick" afterEffect="1"/>
+                                        <p:tgtEl>
+                                          <p:spTgt spid="3">
+                                            <p:txEl>
+                                              <p:pRg st="3" end="3"/>
+                                            </p:txEl>
+                                          </p:spTgt>
+                                        </p:tgtEl>
+                                        <p:attrNameLst>
+                                          <p:attrName>ppt_c</p:attrName>
+                                        </p:attrNameLst>
+                                      </p:cBhvr>
+                                      <p:to>
+                                        <a:srgbClr val="B2B2B2"/>
+                                      </p:to>
+                                    </p:animClr>
+                                  </p:subTnLst>
+                                </p:cTn>
+                              </p:par>
+                            </p:childTnLst>
+                          </p:cTn>
+                        </p:par>
+                      </p:childTnLst>
+                    </p:cTn>
+                  </p:par>
+                </p:childTnLst>
+              </p:cTn>
+              <p:prevCondLst>
+                <p:cond evt="onPrev" delay="0">
+                  <p:tgtEl>
+                    <p:sldTgt/>
+                  </p:tgtEl>
+                </p:cond>
+              </p:prevCondLst>
+              <p:nextCondLst>
+                <p:cond evt="onNext" delay="0">
+                  <p:tgtEl>
+                    <p:sldTgt/>
+                  </p:tgtEl>
+                </p:cond>
+              </p:nextCondLst>
+            </p:seq>
+          </p:childTnLst>
+        </p:cTn>
+      </p:par>
+    </p:tnLst>
+    <p:bldLst>
+      <p:bldP spid="3" grpId="0" build="p"/>
+    </p:bldLst>
+  </p:timing>
+</p:sld>
+</file>
+
+<file path=ppt/slides/slide36.xml><?xml version="1.0" encoding="utf-8"?>
+<p:sld xmlns:a="http://schemas.openxmlformats.org/drawingml/2006/main" xmlns:r="http://schemas.openxmlformats.org/officeDocument/2006/relationships" xmlns:p="http://schemas.openxmlformats.org/presentationml/2006/main">
+  <p:cSld>
+    <p:spTree>
+      <p:nvGrpSpPr>
+        <p:cNvPr id="1" name="">
+          <a:extLst>
+            <a:ext uri="{FF2B5EF4-FFF2-40B4-BE49-F238E27FC236}">
+              <a16:creationId xmlns:a16="http://schemas.microsoft.com/office/drawing/2014/main" id="{5693A12E-50B3-5ABF-19E6-A2AF878C7453}"/>
+            </a:ext>
+          </a:extLst>
+        </p:cNvPr>
+        <p:cNvGrpSpPr/>
+        <p:nvPr/>
+      </p:nvGrpSpPr>
+      <p:grpSpPr>
+        <a:xfrm>
+          <a:off x="0" y="0"/>
+          <a:ext cx="0" cy="0"/>
+          <a:chOff x="0" y="0"/>
+          <a:chExt cx="0" cy="0"/>
+        </a:xfrm>
+      </p:grpSpPr>
+      <p:sp>
+        <p:nvSpPr>
+          <p:cNvPr id="17410" name="Title 1">
+            <a:extLst>
+              <a:ext uri="{FF2B5EF4-FFF2-40B4-BE49-F238E27FC236}">
+                <a16:creationId xmlns:a16="http://schemas.microsoft.com/office/drawing/2014/main" id="{F472103D-2405-88B8-FEFC-F9ED17D93BBA}"/>
+              </a:ext>
+            </a:extLst>
+          </p:cNvPr>
+          <p:cNvSpPr>
+            <a:spLocks noGrp="1"/>
+          </p:cNvSpPr>
+          <p:nvPr>
+            <p:ph type="title"/>
+          </p:nvPr>
+        </p:nvSpPr>
+        <p:spPr>
+          <a:xfrm>
+            <a:off x="457200" y="205979"/>
+            <a:ext cx="9155360" cy="857250"/>
+          </a:xfrm>
+        </p:spPr>
+        <p:txBody>
+          <a:bodyPr/>
+          <a:lstStyle/>
+          <a:p>
+            <a:r>
+              <a:rPr lang="en-US" sz="4200" dirty="0">
+                <a:solidFill>
+                  <a:schemeClr val="tx1"/>
+                </a:solidFill>
+              </a:rPr>
+              <a:t>When to use </a:t>
+            </a:r>
+            <a:r>
+              <a:rPr lang="en-US" sz="4200" dirty="0" err="1">
+                <a:solidFill>
+                  <a:schemeClr val="tx1"/>
+                </a:solidFill>
+              </a:rPr>
+              <a:t>Hangfire</a:t>
+            </a:r>
+            <a:r>
+              <a:rPr lang="en-US" sz="4200" dirty="0">
+                <a:solidFill>
+                  <a:schemeClr val="tx1"/>
+                </a:solidFill>
+              </a:rPr>
+              <a:t>?</a:t>
+            </a:r>
+          </a:p>
+        </p:txBody>
+      </p:sp>
+      <p:sp>
+        <p:nvSpPr>
+          <p:cNvPr id="3" name="Content Placeholder 2">
+            <a:extLst>
+              <a:ext uri="{FF2B5EF4-FFF2-40B4-BE49-F238E27FC236}">
+                <a16:creationId xmlns:a16="http://schemas.microsoft.com/office/drawing/2014/main" id="{10D19D7F-AF6B-7215-EDC6-5C16AD98642E}"/>
+              </a:ext>
+            </a:extLst>
+          </p:cNvPr>
+          <p:cNvSpPr>
+            <a:spLocks noGrp="1"/>
+          </p:cNvSpPr>
+          <p:nvPr>
+            <p:ph idx="1"/>
+          </p:nvPr>
+        </p:nvSpPr>
+        <p:spPr>
+          <a:xfrm>
+            <a:off x="457200" y="1131590"/>
+            <a:ext cx="8435280" cy="3888432"/>
+          </a:xfrm>
+        </p:spPr>
+        <p:txBody>
+          <a:bodyPr>
+            <a:normAutofit/>
+          </a:bodyPr>
+          <a:lstStyle/>
+          <a:p>
+            <a:r>
+              <a:rPr lang="en-US" sz="2600" dirty="0"/>
+              <a:t>Want to host jobs in ASP.NET Core</a:t>
+            </a:r>
+          </a:p>
+          <a:p>
+            <a:r>
+              <a:rPr lang="en-US" sz="2600" dirty="0"/>
+              <a:t>Need features </a:t>
+            </a:r>
+            <a:r>
+              <a:rPr lang="en-US" sz="2600" dirty="0" err="1"/>
+              <a:t>Hangfire</a:t>
+            </a:r>
+            <a:r>
+              <a:rPr lang="en-US" sz="2600" dirty="0"/>
+              <a:t> offers</a:t>
+            </a:r>
+          </a:p>
+          <a:p>
+            <a:r>
+              <a:rPr lang="en-US" sz="2600" dirty="0"/>
+              <a:t>Don’t want to write plumbing code</a:t>
+            </a:r>
+          </a:p>
+          <a:p>
+            <a:r>
+              <a:rPr lang="en-US" sz="2600" dirty="0"/>
+              <a:t>Ok with relying on 3</a:t>
+            </a:r>
+            <a:r>
+              <a:rPr lang="en-US" sz="2600" baseline="30000" dirty="0"/>
+              <a:t>rd</a:t>
+            </a:r>
+            <a:r>
+              <a:rPr lang="en-US" sz="2600" dirty="0"/>
+              <a:t> party library</a:t>
+            </a:r>
+          </a:p>
+        </p:txBody>
+      </p:sp>
+    </p:spTree>
+    <p:extLst>
+      <p:ext uri="{BB962C8B-B14F-4D97-AF65-F5344CB8AC3E}">
+        <p14:creationId xmlns:p14="http://schemas.microsoft.com/office/powerpoint/2010/main" val="1852194272"/>
       </p:ext>
     </p:extLst>
   </p:cSld>
@@ -18214,7 +18667,7 @@
         <p:cNvPr id="1" name="">
           <a:extLst>
             <a:ext uri="{FF2B5EF4-FFF2-40B4-BE49-F238E27FC236}">
-              <a16:creationId xmlns:a16="http://schemas.microsoft.com/office/drawing/2014/main" id="{5693A12E-50B3-5ABF-19E6-A2AF878C7453}"/>
+              <a16:creationId xmlns:a16="http://schemas.microsoft.com/office/drawing/2014/main" id="{CDD34B3E-2BC0-FF70-B62A-9E662C5DA4F0}"/>
             </a:ext>
           </a:extLst>
         </p:cNvPr>
@@ -18234,7 +18687,7 @@
           <p:cNvPr id="17410" name="Title 1">
             <a:extLst>
               <a:ext uri="{FF2B5EF4-FFF2-40B4-BE49-F238E27FC236}">
-                <a16:creationId xmlns:a16="http://schemas.microsoft.com/office/drawing/2014/main" id="{F472103D-2405-88B8-FEFC-F9ED17D93BBA}"/>
+                <a16:creationId xmlns:a16="http://schemas.microsoft.com/office/drawing/2014/main" id="{C4E83BEC-ECCA-EF59-7D0F-D15FE51E1D0E}"/>
               </a:ext>
             </a:extLst>
           </p:cNvPr>
@@ -18261,7 +18714,7 @@
                   <a:schemeClr val="tx1"/>
                 </a:solidFill>
               </a:rPr>
-              <a:t>When to use </a:t>
+              <a:t>When NOT to use </a:t>
             </a:r>
             <a:r>
               <a:rPr lang="en-US" sz="4200" dirty="0" err="1">
@@ -18287,7 +18740,7 @@
           <p:cNvPr id="3" name="Content Placeholder 2">
             <a:extLst>
               <a:ext uri="{FF2B5EF4-FFF2-40B4-BE49-F238E27FC236}">
-                <a16:creationId xmlns:a16="http://schemas.microsoft.com/office/drawing/2014/main" id="{10D19D7F-AF6B-7215-EDC6-5C16AD98642E}"/>
+                <a16:creationId xmlns:a16="http://schemas.microsoft.com/office/drawing/2014/main" id="{6DA17671-4370-24BD-993F-8A06704D0DE6}"/>
               </a:ext>
             </a:extLst>
           </p:cNvPr>
@@ -18312,33 +18765,27 @@
           <a:p>
             <a:r>
               <a:rPr lang="en-US" sz="2600" dirty="0"/>
-              <a:t>Want to host jobs in ASP.NET Core</a:t>
+              <a:t>Do not want to host jobs in ASP.NET Core</a:t>
             </a:r>
           </a:p>
           <a:p>
             <a:r>
               <a:rPr lang="en-US" sz="2600" dirty="0"/>
-              <a:t>Need features </a:t>
+              <a:t>Have basic needs, don’t need </a:t>
             </a:r>
             <a:r>
               <a:rPr lang="en-US" sz="2600" dirty="0" err="1"/>
-              <a:t>Hangfire</a:t>
+              <a:t>Hangfire’s</a:t>
             </a:r>
             <a:r>
               <a:rPr lang="en-US" sz="2600" dirty="0"/>
-              <a:t> offers</a:t>
+              <a:t> features</a:t>
             </a:r>
           </a:p>
           <a:p>
             <a:r>
               <a:rPr lang="en-US" sz="2600" dirty="0"/>
-              <a:t>Don’t want to write plumbing code</a:t>
-            </a:r>
-          </a:p>
-          <a:p>
-            <a:r>
-              <a:rPr lang="en-US" sz="2600" dirty="0"/>
-              <a:t>Ok with relying on 3</a:t>
+              <a:t>Do not want to rely on 3</a:t>
             </a:r>
             <a:r>
               <a:rPr lang="en-US" sz="2600" baseline="30000" dirty="0"/>
@@ -18347,6 +18794,12 @@
             <a:r>
               <a:rPr lang="en-US" sz="2600" dirty="0"/>
               <a:t> party library</a:t>
+            </a:r>
+          </a:p>
+          <a:p>
+            <a:r>
+              <a:rPr lang="en-US" sz="2600" dirty="0"/>
+              <a:t>Want more control over what happens</a:t>
             </a:r>
           </a:p>
         </p:txBody>
@@ -18354,7 +18807,7 @@
     </p:spTree>
     <p:extLst>
       <p:ext uri="{BB962C8B-B14F-4D97-AF65-F5344CB8AC3E}">
-        <p14:creationId xmlns:p14="http://schemas.microsoft.com/office/powerpoint/2010/main" val="1852194272"/>
+        <p14:creationId xmlns:p14="http://schemas.microsoft.com/office/powerpoint/2010/main" val="2462427236"/>
       </p:ext>
     </p:extLst>
   </p:cSld>
@@ -18729,7 +19182,7 @@
         <p:cNvPr id="1" name="">
           <a:extLst>
             <a:ext uri="{FF2B5EF4-FFF2-40B4-BE49-F238E27FC236}">
-              <a16:creationId xmlns:a16="http://schemas.microsoft.com/office/drawing/2014/main" id="{CDD34B3E-2BC0-FF70-B62A-9E662C5DA4F0}"/>
+              <a16:creationId xmlns:a16="http://schemas.microsoft.com/office/drawing/2014/main" id="{BADE46B0-CC34-781D-D7BE-B59671009EC7}"/>
             </a:ext>
           </a:extLst>
         </p:cNvPr>
@@ -18749,7 +19202,7 @@
           <p:cNvPr id="17410" name="Title 1">
             <a:extLst>
               <a:ext uri="{FF2B5EF4-FFF2-40B4-BE49-F238E27FC236}">
-                <a16:creationId xmlns:a16="http://schemas.microsoft.com/office/drawing/2014/main" id="{C4E83BEC-ECCA-EF59-7D0F-D15FE51E1D0E}"/>
+                <a16:creationId xmlns:a16="http://schemas.microsoft.com/office/drawing/2014/main" id="{BAD3F039-919B-3DDF-7320-1C86826C3416}"/>
               </a:ext>
             </a:extLst>
           </p:cNvPr>
@@ -18776,23 +19229,7 @@
                   <a:schemeClr val="tx1"/>
                 </a:solidFill>
               </a:rPr>
-              <a:t>When NOT to use </a:t>
-            </a:r>
-            <a:r>
-              <a:rPr lang="en-US" sz="4200" dirty="0" err="1">
-                <a:solidFill>
-                  <a:schemeClr val="tx1"/>
-                </a:solidFill>
-              </a:rPr>
-              <a:t>Hangfire</a:t>
-            </a:r>
-            <a:r>
-              <a:rPr lang="en-US" sz="4200" dirty="0">
-                <a:solidFill>
-                  <a:schemeClr val="tx1"/>
-                </a:solidFill>
-              </a:rPr>
-              <a:t>?</a:t>
+              <a:t>Cloud options</a:t>
             </a:r>
           </a:p>
         </p:txBody>
@@ -18802,7 +19239,7 @@
           <p:cNvPr id="3" name="Content Placeholder 2">
             <a:extLst>
               <a:ext uri="{FF2B5EF4-FFF2-40B4-BE49-F238E27FC236}">
-                <a16:creationId xmlns:a16="http://schemas.microsoft.com/office/drawing/2014/main" id="{6DA17671-4370-24BD-993F-8A06704D0DE6}"/>
+                <a16:creationId xmlns:a16="http://schemas.microsoft.com/office/drawing/2014/main" id="{342081A1-9810-F712-7C7F-1E0433B9C8E8}"/>
               </a:ext>
             </a:extLst>
           </p:cNvPr>
@@ -18827,41 +19264,42 @@
           <a:p>
             <a:r>
               <a:rPr lang="en-US" sz="2600" dirty="0"/>
-              <a:t>Do not want to host jobs in ASP.NET Core</a:t>
+              <a:t>Azure Functions with Scheduling timer</a:t>
             </a:r>
           </a:p>
           <a:p>
             <a:r>
               <a:rPr lang="en-US" sz="2600" dirty="0"/>
-              <a:t>Have basic needs, don’t need </a:t>
+              <a:t>Azure </a:t>
             </a:r>
             <a:r>
               <a:rPr lang="en-US" sz="2600" dirty="0" err="1"/>
-              <a:t>Hangfire’s</a:t>
-            </a:r>
+              <a:t>WebJobs</a:t>
+            </a:r>
+            <a:endParaRPr lang="en-US" sz="2600" dirty="0"/>
+          </a:p>
+          <a:p>
             <a:r>
               <a:rPr lang="en-US" sz="2600" dirty="0"/>
-              <a:t> features</a:t>
+              <a:t>AWS Lambdas</a:t>
             </a:r>
           </a:p>
           <a:p>
             <a:r>
               <a:rPr lang="en-US" sz="2600" dirty="0"/>
-              <a:t>Do not want to rely on 3</a:t>
-            </a:r>
-            <a:r>
-              <a:rPr lang="en-US" sz="2600" baseline="30000" dirty="0"/>
-              <a:t>rd</a:t>
-            </a:r>
+              <a:t>GCP Cloud Scheduler + Cloud Functions</a:t>
+            </a:r>
+          </a:p>
+          <a:p>
             <a:r>
               <a:rPr lang="en-US" sz="2600" dirty="0"/>
-              <a:t> party library</a:t>
+              <a:t>Didn’t cover these to avoid cloud specific</a:t>
             </a:r>
           </a:p>
           <a:p>
             <a:r>
               <a:rPr lang="en-US" sz="2600" dirty="0"/>
-              <a:t>Want more control over what happens</a:t>
+              <a:t>Everything we covered works with any cloud</a:t>
             </a:r>
           </a:p>
         </p:txBody>
@@ -18869,7 +19307,7 @@
     </p:spTree>
     <p:extLst>
       <p:ext uri="{BB962C8B-B14F-4D97-AF65-F5344CB8AC3E}">
-        <p14:creationId xmlns:p14="http://schemas.microsoft.com/office/powerpoint/2010/main" val="2462427236"/>
+        <p14:creationId xmlns:p14="http://schemas.microsoft.com/office/powerpoint/2010/main" val="3671369793"/>
       </p:ext>
     </p:extLst>
   </p:cSld>
@@ -19188,6 +19626,168 @@
                                           <p:spTgt spid="3">
                                             <p:txEl>
                                               <p:pRg st="3" end="3"/>
+                                            </p:txEl>
+                                          </p:spTgt>
+                                        </p:tgtEl>
+                                        <p:attrNameLst>
+                                          <p:attrName>ppt_c</p:attrName>
+                                        </p:attrNameLst>
+                                      </p:cBhvr>
+                                      <p:to>
+                                        <a:srgbClr val="B2B2B2"/>
+                                      </p:to>
+                                    </p:animClr>
+                                  </p:subTnLst>
+                                </p:cTn>
+                              </p:par>
+                            </p:childTnLst>
+                          </p:cTn>
+                        </p:par>
+                      </p:childTnLst>
+                    </p:cTn>
+                  </p:par>
+                  <p:par>
+                    <p:cTn id="23" fill="hold">
+                      <p:stCondLst>
+                        <p:cond delay="indefinite"/>
+                      </p:stCondLst>
+                      <p:childTnLst>
+                        <p:par>
+                          <p:cTn id="24" fill="hold">
+                            <p:stCondLst>
+                              <p:cond delay="0"/>
+                            </p:stCondLst>
+                            <p:childTnLst>
+                              <p:par>
+                                <p:cTn id="25" presetID="10" presetClass="entr" presetSubtype="0" fill="hold" grpId="0" nodeType="clickEffect">
+                                  <p:stCondLst>
+                                    <p:cond delay="0"/>
+                                  </p:stCondLst>
+                                  <p:childTnLst>
+                                    <p:set>
+                                      <p:cBhvr>
+                                        <p:cTn id="26" dur="1" fill="hold">
+                                          <p:stCondLst>
+                                            <p:cond delay="0"/>
+                                          </p:stCondLst>
+                                        </p:cTn>
+                                        <p:tgtEl>
+                                          <p:spTgt spid="3">
+                                            <p:txEl>
+                                              <p:pRg st="4" end="4"/>
+                                            </p:txEl>
+                                          </p:spTgt>
+                                        </p:tgtEl>
+                                        <p:attrNameLst>
+                                          <p:attrName>style.visibility</p:attrName>
+                                        </p:attrNameLst>
+                                      </p:cBhvr>
+                                      <p:to>
+                                        <p:strVal val="visible"/>
+                                      </p:to>
+                                    </p:set>
+                                    <p:animEffect transition="in" filter="fade">
+                                      <p:cBhvr>
+                                        <p:cTn id="27" dur="500"/>
+                                        <p:tgtEl>
+                                          <p:spTgt spid="3">
+                                            <p:txEl>
+                                              <p:pRg st="4" end="4"/>
+                                            </p:txEl>
+                                          </p:spTgt>
+                                        </p:tgtEl>
+                                      </p:cBhvr>
+                                    </p:animEffect>
+                                  </p:childTnLst>
+                                  <p:subTnLst>
+                                    <p:animClr clrSpc="rgb" dir="cw">
+                                      <p:cBhvr override="childStyle">
+                                        <p:cTn dur="1" fill="hold" display="0" masterRel="nextClick" afterEffect="1"/>
+                                        <p:tgtEl>
+                                          <p:spTgt spid="3">
+                                            <p:txEl>
+                                              <p:pRg st="4" end="4"/>
+                                            </p:txEl>
+                                          </p:spTgt>
+                                        </p:tgtEl>
+                                        <p:attrNameLst>
+                                          <p:attrName>ppt_c</p:attrName>
+                                        </p:attrNameLst>
+                                      </p:cBhvr>
+                                      <p:to>
+                                        <a:srgbClr val="B2B2B2"/>
+                                      </p:to>
+                                    </p:animClr>
+                                  </p:subTnLst>
+                                </p:cTn>
+                              </p:par>
+                            </p:childTnLst>
+                          </p:cTn>
+                        </p:par>
+                      </p:childTnLst>
+                    </p:cTn>
+                  </p:par>
+                  <p:par>
+                    <p:cTn id="28" fill="hold">
+                      <p:stCondLst>
+                        <p:cond delay="indefinite"/>
+                      </p:stCondLst>
+                      <p:childTnLst>
+                        <p:par>
+                          <p:cTn id="29" fill="hold">
+                            <p:stCondLst>
+                              <p:cond delay="0"/>
+                            </p:stCondLst>
+                            <p:childTnLst>
+                              <p:par>
+                                <p:cTn id="30" presetID="10" presetClass="entr" presetSubtype="0" fill="hold" grpId="0" nodeType="clickEffect">
+                                  <p:stCondLst>
+                                    <p:cond delay="0"/>
+                                  </p:stCondLst>
+                                  <p:childTnLst>
+                                    <p:set>
+                                      <p:cBhvr>
+                                        <p:cTn id="31" dur="1" fill="hold">
+                                          <p:stCondLst>
+                                            <p:cond delay="0"/>
+                                          </p:stCondLst>
+                                        </p:cTn>
+                                        <p:tgtEl>
+                                          <p:spTgt spid="3">
+                                            <p:txEl>
+                                              <p:pRg st="5" end="5"/>
+                                            </p:txEl>
+                                          </p:spTgt>
+                                        </p:tgtEl>
+                                        <p:attrNameLst>
+                                          <p:attrName>style.visibility</p:attrName>
+                                        </p:attrNameLst>
+                                      </p:cBhvr>
+                                      <p:to>
+                                        <p:strVal val="visible"/>
+                                      </p:to>
+                                    </p:set>
+                                    <p:animEffect transition="in" filter="fade">
+                                      <p:cBhvr>
+                                        <p:cTn id="32" dur="500"/>
+                                        <p:tgtEl>
+                                          <p:spTgt spid="3">
+                                            <p:txEl>
+                                              <p:pRg st="5" end="5"/>
+                                            </p:txEl>
+                                          </p:spTgt>
+                                        </p:tgtEl>
+                                      </p:cBhvr>
+                                    </p:animEffect>
+                                  </p:childTnLst>
+                                  <p:subTnLst>
+                                    <p:animClr clrSpc="rgb" dir="cw">
+                                      <p:cBhvr override="childStyle">
+                                        <p:cTn dur="1" fill="hold" display="0" masterRel="nextClick" afterEffect="1"/>
+                                        <p:tgtEl>
+                                          <p:spTgt spid="3">
+                                            <p:txEl>
+                                              <p:pRg st="5" end="5"/>
                                             </p:txEl>
                                           </p:spTgt>
                                         </p:tgtEl>
@@ -19244,7 +19844,7 @@
         <p:cNvPr id="1" name="">
           <a:extLst>
             <a:ext uri="{FF2B5EF4-FFF2-40B4-BE49-F238E27FC236}">
-              <a16:creationId xmlns:a16="http://schemas.microsoft.com/office/drawing/2014/main" id="{BADE46B0-CC34-781D-D7BE-B59671009EC7}"/>
+              <a16:creationId xmlns:a16="http://schemas.microsoft.com/office/drawing/2014/main" id="{C3AD6754-EAA4-F086-429B-3A10FA14E7BF}"/>
             </a:ext>
           </a:extLst>
         </p:cNvPr>
@@ -19264,7 +19864,7 @@
           <p:cNvPr id="17410" name="Title 1">
             <a:extLst>
               <a:ext uri="{FF2B5EF4-FFF2-40B4-BE49-F238E27FC236}">
-                <a16:creationId xmlns:a16="http://schemas.microsoft.com/office/drawing/2014/main" id="{BAD3F039-919B-3DDF-7320-1C86826C3416}"/>
+                <a16:creationId xmlns:a16="http://schemas.microsoft.com/office/drawing/2014/main" id="{5E338B7D-DBA3-C793-4FA5-2EA7C9D68181}"/>
               </a:ext>
             </a:extLst>
           </p:cNvPr>
@@ -19291,7 +19891,7 @@
                   <a:schemeClr val="tx1"/>
                 </a:solidFill>
               </a:rPr>
-              <a:t>Cloud options</a:t>
+              <a:t>Takeaways</a:t>
             </a:r>
           </a:p>
         </p:txBody>
@@ -19301,7 +19901,7 @@
           <p:cNvPr id="3" name="Content Placeholder 2">
             <a:extLst>
               <a:ext uri="{FF2B5EF4-FFF2-40B4-BE49-F238E27FC236}">
-                <a16:creationId xmlns:a16="http://schemas.microsoft.com/office/drawing/2014/main" id="{342081A1-9810-F712-7C7F-1E0433B9C8E8}"/>
+                <a16:creationId xmlns:a16="http://schemas.microsoft.com/office/drawing/2014/main" id="{A469DE0F-36AA-F57A-A907-7E454D56FE11}"/>
               </a:ext>
             </a:extLst>
           </p:cNvPr>
@@ -19326,42 +19926,19 @@
           <a:p>
             <a:r>
               <a:rPr lang="en-US" sz="2600" dirty="0"/>
-              <a:t>Azure Functions with Scheduling timer</a:t>
+              <a:t>Awareness to all the options available to you</a:t>
             </a:r>
           </a:p>
           <a:p>
             <a:r>
               <a:rPr lang="en-US" sz="2600" dirty="0"/>
-              <a:t>Azure </a:t>
-            </a:r>
-            <a:r>
-              <a:rPr lang="en-US" sz="2600" dirty="0" err="1"/>
-              <a:t>WebJobs</a:t>
-            </a:r>
-            <a:endParaRPr lang="en-US" sz="2600" dirty="0"/>
+              <a:t>Awareness of the pro’s and con’s of the options</a:t>
+            </a:r>
           </a:p>
           <a:p>
             <a:r>
               <a:rPr lang="en-US" sz="2600" dirty="0"/>
-              <a:t>AWS Lambdas</a:t>
-            </a:r>
-          </a:p>
-          <a:p>
-            <a:r>
-              <a:rPr lang="en-US" sz="2600" dirty="0"/>
-              <a:t>GCP Cloud Scheduler + Cloud Functions</a:t>
-            </a:r>
-          </a:p>
-          <a:p>
-            <a:r>
-              <a:rPr lang="en-US" sz="2600" dirty="0"/>
-              <a:t>Didn’t cover these to avoid cloud specific</a:t>
-            </a:r>
-          </a:p>
-          <a:p>
-            <a:r>
-              <a:rPr lang="en-US" sz="2600" dirty="0"/>
-              <a:t>Everything we covered works with any cloud</a:t>
+              <a:t>Make the best decision for you and your company</a:t>
             </a:r>
           </a:p>
         </p:txBody>
@@ -19369,7 +19946,7 @@
     </p:spTree>
     <p:extLst>
       <p:ext uri="{BB962C8B-B14F-4D97-AF65-F5344CB8AC3E}">
-        <p14:creationId xmlns:p14="http://schemas.microsoft.com/office/powerpoint/2010/main" val="3671369793"/>
+        <p14:creationId xmlns:p14="http://schemas.microsoft.com/office/powerpoint/2010/main" val="3277178324"/>
       </p:ext>
     </p:extLst>
   </p:cSld>
@@ -19607,249 +20184,6 @@
                                           <p:spTgt spid="3">
                                             <p:txEl>
                                               <p:pRg st="2" end="2"/>
-                                            </p:txEl>
-                                          </p:spTgt>
-                                        </p:tgtEl>
-                                        <p:attrNameLst>
-                                          <p:attrName>ppt_c</p:attrName>
-                                        </p:attrNameLst>
-                                      </p:cBhvr>
-                                      <p:to>
-                                        <a:srgbClr val="B2B2B2"/>
-                                      </p:to>
-                                    </p:animClr>
-                                  </p:subTnLst>
-                                </p:cTn>
-                              </p:par>
-                            </p:childTnLst>
-                          </p:cTn>
-                        </p:par>
-                      </p:childTnLst>
-                    </p:cTn>
-                  </p:par>
-                  <p:par>
-                    <p:cTn id="18" fill="hold">
-                      <p:stCondLst>
-                        <p:cond delay="indefinite"/>
-                      </p:stCondLst>
-                      <p:childTnLst>
-                        <p:par>
-                          <p:cTn id="19" fill="hold">
-                            <p:stCondLst>
-                              <p:cond delay="0"/>
-                            </p:stCondLst>
-                            <p:childTnLst>
-                              <p:par>
-                                <p:cTn id="20" presetID="10" presetClass="entr" presetSubtype="0" fill="hold" grpId="0" nodeType="clickEffect">
-                                  <p:stCondLst>
-                                    <p:cond delay="0"/>
-                                  </p:stCondLst>
-                                  <p:childTnLst>
-                                    <p:set>
-                                      <p:cBhvr>
-                                        <p:cTn id="21" dur="1" fill="hold">
-                                          <p:stCondLst>
-                                            <p:cond delay="0"/>
-                                          </p:stCondLst>
-                                        </p:cTn>
-                                        <p:tgtEl>
-                                          <p:spTgt spid="3">
-                                            <p:txEl>
-                                              <p:pRg st="3" end="3"/>
-                                            </p:txEl>
-                                          </p:spTgt>
-                                        </p:tgtEl>
-                                        <p:attrNameLst>
-                                          <p:attrName>style.visibility</p:attrName>
-                                        </p:attrNameLst>
-                                      </p:cBhvr>
-                                      <p:to>
-                                        <p:strVal val="visible"/>
-                                      </p:to>
-                                    </p:set>
-                                    <p:animEffect transition="in" filter="fade">
-                                      <p:cBhvr>
-                                        <p:cTn id="22" dur="500"/>
-                                        <p:tgtEl>
-                                          <p:spTgt spid="3">
-                                            <p:txEl>
-                                              <p:pRg st="3" end="3"/>
-                                            </p:txEl>
-                                          </p:spTgt>
-                                        </p:tgtEl>
-                                      </p:cBhvr>
-                                    </p:animEffect>
-                                  </p:childTnLst>
-                                  <p:subTnLst>
-                                    <p:animClr clrSpc="rgb" dir="cw">
-                                      <p:cBhvr override="childStyle">
-                                        <p:cTn dur="1" fill="hold" display="0" masterRel="nextClick" afterEffect="1"/>
-                                        <p:tgtEl>
-                                          <p:spTgt spid="3">
-                                            <p:txEl>
-                                              <p:pRg st="3" end="3"/>
-                                            </p:txEl>
-                                          </p:spTgt>
-                                        </p:tgtEl>
-                                        <p:attrNameLst>
-                                          <p:attrName>ppt_c</p:attrName>
-                                        </p:attrNameLst>
-                                      </p:cBhvr>
-                                      <p:to>
-                                        <a:srgbClr val="B2B2B2"/>
-                                      </p:to>
-                                    </p:animClr>
-                                  </p:subTnLst>
-                                </p:cTn>
-                              </p:par>
-                            </p:childTnLst>
-                          </p:cTn>
-                        </p:par>
-                      </p:childTnLst>
-                    </p:cTn>
-                  </p:par>
-                  <p:par>
-                    <p:cTn id="23" fill="hold">
-                      <p:stCondLst>
-                        <p:cond delay="indefinite"/>
-                      </p:stCondLst>
-                      <p:childTnLst>
-                        <p:par>
-                          <p:cTn id="24" fill="hold">
-                            <p:stCondLst>
-                              <p:cond delay="0"/>
-                            </p:stCondLst>
-                            <p:childTnLst>
-                              <p:par>
-                                <p:cTn id="25" presetID="10" presetClass="entr" presetSubtype="0" fill="hold" grpId="0" nodeType="clickEffect">
-                                  <p:stCondLst>
-                                    <p:cond delay="0"/>
-                                  </p:stCondLst>
-                                  <p:childTnLst>
-                                    <p:set>
-                                      <p:cBhvr>
-                                        <p:cTn id="26" dur="1" fill="hold">
-                                          <p:stCondLst>
-                                            <p:cond delay="0"/>
-                                          </p:stCondLst>
-                                        </p:cTn>
-                                        <p:tgtEl>
-                                          <p:spTgt spid="3">
-                                            <p:txEl>
-                                              <p:pRg st="4" end="4"/>
-                                            </p:txEl>
-                                          </p:spTgt>
-                                        </p:tgtEl>
-                                        <p:attrNameLst>
-                                          <p:attrName>style.visibility</p:attrName>
-                                        </p:attrNameLst>
-                                      </p:cBhvr>
-                                      <p:to>
-                                        <p:strVal val="visible"/>
-                                      </p:to>
-                                    </p:set>
-                                    <p:animEffect transition="in" filter="fade">
-                                      <p:cBhvr>
-                                        <p:cTn id="27" dur="500"/>
-                                        <p:tgtEl>
-                                          <p:spTgt spid="3">
-                                            <p:txEl>
-                                              <p:pRg st="4" end="4"/>
-                                            </p:txEl>
-                                          </p:spTgt>
-                                        </p:tgtEl>
-                                      </p:cBhvr>
-                                    </p:animEffect>
-                                  </p:childTnLst>
-                                  <p:subTnLst>
-                                    <p:animClr clrSpc="rgb" dir="cw">
-                                      <p:cBhvr override="childStyle">
-                                        <p:cTn dur="1" fill="hold" display="0" masterRel="nextClick" afterEffect="1"/>
-                                        <p:tgtEl>
-                                          <p:spTgt spid="3">
-                                            <p:txEl>
-                                              <p:pRg st="4" end="4"/>
-                                            </p:txEl>
-                                          </p:spTgt>
-                                        </p:tgtEl>
-                                        <p:attrNameLst>
-                                          <p:attrName>ppt_c</p:attrName>
-                                        </p:attrNameLst>
-                                      </p:cBhvr>
-                                      <p:to>
-                                        <a:srgbClr val="B2B2B2"/>
-                                      </p:to>
-                                    </p:animClr>
-                                  </p:subTnLst>
-                                </p:cTn>
-                              </p:par>
-                            </p:childTnLst>
-                          </p:cTn>
-                        </p:par>
-                      </p:childTnLst>
-                    </p:cTn>
-                  </p:par>
-                  <p:par>
-                    <p:cTn id="28" fill="hold">
-                      <p:stCondLst>
-                        <p:cond delay="indefinite"/>
-                      </p:stCondLst>
-                      <p:childTnLst>
-                        <p:par>
-                          <p:cTn id="29" fill="hold">
-                            <p:stCondLst>
-                              <p:cond delay="0"/>
-                            </p:stCondLst>
-                            <p:childTnLst>
-                              <p:par>
-                                <p:cTn id="30" presetID="10" presetClass="entr" presetSubtype="0" fill="hold" grpId="0" nodeType="clickEffect">
-                                  <p:stCondLst>
-                                    <p:cond delay="0"/>
-                                  </p:stCondLst>
-                                  <p:childTnLst>
-                                    <p:set>
-                                      <p:cBhvr>
-                                        <p:cTn id="31" dur="1" fill="hold">
-                                          <p:stCondLst>
-                                            <p:cond delay="0"/>
-                                          </p:stCondLst>
-                                        </p:cTn>
-                                        <p:tgtEl>
-                                          <p:spTgt spid="3">
-                                            <p:txEl>
-                                              <p:pRg st="5" end="5"/>
-                                            </p:txEl>
-                                          </p:spTgt>
-                                        </p:tgtEl>
-                                        <p:attrNameLst>
-                                          <p:attrName>style.visibility</p:attrName>
-                                        </p:attrNameLst>
-                                      </p:cBhvr>
-                                      <p:to>
-                                        <p:strVal val="visible"/>
-                                      </p:to>
-                                    </p:set>
-                                    <p:animEffect transition="in" filter="fade">
-                                      <p:cBhvr>
-                                        <p:cTn id="32" dur="500"/>
-                                        <p:tgtEl>
-                                          <p:spTgt spid="3">
-                                            <p:txEl>
-                                              <p:pRg st="5" end="5"/>
-                                            </p:txEl>
-                                          </p:spTgt>
-                                        </p:tgtEl>
-                                      </p:cBhvr>
-                                    </p:animEffect>
-                                  </p:childTnLst>
-                                  <p:subTnLst>
-                                    <p:animClr clrSpc="rgb" dir="cw">
-                                      <p:cBhvr override="childStyle">
-                                        <p:cTn dur="1" fill="hold" display="0" masterRel="nextClick" afterEffect="1"/>
-                                        <p:tgtEl>
-                                          <p:spTgt spid="3">
-                                            <p:txEl>
-                                              <p:pRg st="5" end="5"/>
                                             </p:txEl>
                                           </p:spTgt>
                                         </p:tgtEl>
@@ -19906,7 +20240,7 @@
         <p:cNvPr id="1" name="">
           <a:extLst>
             <a:ext uri="{FF2B5EF4-FFF2-40B4-BE49-F238E27FC236}">
-              <a16:creationId xmlns:a16="http://schemas.microsoft.com/office/drawing/2014/main" id="{FACA3756-D68A-A936-B2E2-5B903072F3EB}"/>
+              <a16:creationId xmlns:a16="http://schemas.microsoft.com/office/drawing/2014/main" id="{6B464CED-69D3-1C53-846D-D97A1BCA6985}"/>
             </a:ext>
           </a:extLst>
         </p:cNvPr>
@@ -19926,7 +20260,7 @@
           <p:cNvPr id="17410" name="Title 1">
             <a:extLst>
               <a:ext uri="{FF2B5EF4-FFF2-40B4-BE49-F238E27FC236}">
-                <a16:creationId xmlns:a16="http://schemas.microsoft.com/office/drawing/2014/main" id="{F2801D56-310E-0A51-5333-D6027FD939EC}"/>
+                <a16:creationId xmlns:a16="http://schemas.microsoft.com/office/drawing/2014/main" id="{EDC82A97-6766-B8D0-F025-588340DEF0BB}"/>
               </a:ext>
             </a:extLst>
           </p:cNvPr>
@@ -19948,7 +20282,7 @@
                   <a:schemeClr val="tx1"/>
                 </a:solidFill>
               </a:rPr>
-              <a:t>Agenda</a:t>
+              <a:t>Goals</a:t>
             </a:r>
           </a:p>
         </p:txBody>
@@ -19958,7 +20292,7 @@
           <p:cNvPr id="3" name="Content Placeholder 2">
             <a:extLst>
               <a:ext uri="{FF2B5EF4-FFF2-40B4-BE49-F238E27FC236}">
-                <a16:creationId xmlns:a16="http://schemas.microsoft.com/office/drawing/2014/main" id="{71EFE4C9-0C86-79D2-41F6-1D61A36B5941}"/>
+                <a16:creationId xmlns:a16="http://schemas.microsoft.com/office/drawing/2014/main" id="{1A3827D5-99D5-9073-43CF-3CE3F651C6C2}"/>
               </a:ext>
             </a:extLst>
           </p:cNvPr>
@@ -19977,80 +20311,19 @@
         </p:spPr>
         <p:txBody>
           <a:bodyPr>
-            <a:noAutofit/>
+            <a:normAutofit/>
           </a:bodyPr>
           <a:lstStyle/>
           <a:p>
             <a:r>
-              <a:rPr lang="en-US" sz="1800" dirty="0"/>
-              <a:t>What are background tasks/jobs?</a:t>
-            </a:r>
-          </a:p>
-          <a:p>
-            <a:r>
-              <a:rPr lang="en-US" sz="1800" dirty="0"/>
-              <a:t>What type of problems are suitable for a background task/job?</a:t>
-            </a:r>
-          </a:p>
-          <a:p>
-            <a:r>
-              <a:rPr lang="en-US" sz="1800" dirty="0"/>
-              <a:t>What options are out there?</a:t>
-            </a:r>
-          </a:p>
-          <a:p>
-            <a:pPr lvl="1"/>
-            <a:r>
-              <a:rPr lang="en-US" sz="1800" dirty="0" err="1"/>
-              <a:t>IHostedService</a:t>
-            </a:r>
-            <a:endParaRPr lang="en-US" sz="1800" dirty="0"/>
-          </a:p>
-          <a:p>
-            <a:pPr lvl="1"/>
-            <a:r>
-              <a:rPr lang="en-US" sz="1800" dirty="0" err="1"/>
-              <a:t>BackgroundService</a:t>
-            </a:r>
-            <a:endParaRPr lang="en-US" sz="1800" dirty="0"/>
-          </a:p>
-          <a:p>
-            <a:pPr lvl="1"/>
-            <a:r>
-              <a:rPr lang="en-US" sz="1800" dirty="0"/>
-              <a:t>Worker Service</a:t>
-            </a:r>
-          </a:p>
-          <a:p>
-            <a:pPr lvl="1"/>
-            <a:r>
-              <a:rPr lang="en-US" sz="1800" dirty="0" err="1"/>
-              <a:t>Hangfire</a:t>
-            </a:r>
-            <a:endParaRPr lang="en-US" sz="1800" dirty="0"/>
-          </a:p>
-          <a:p>
-            <a:r>
-              <a:rPr lang="en-US" sz="1800" dirty="0"/>
-              <a:t>Why would I choose one over the other?</a:t>
-            </a:r>
-          </a:p>
-          <a:p>
-            <a:r>
-              <a:rPr lang="en-US" sz="1800" dirty="0"/>
-              <a:t>Deep dive into each</a:t>
-            </a:r>
-          </a:p>
-          <a:p>
-            <a:r>
-              <a:rPr lang="en-US" sz="1800" dirty="0"/>
-              <a:t>Demos</a:t>
-            </a:r>
-          </a:p>
-          <a:p>
-            <a:r>
-              <a:rPr lang="en-US" sz="1800" dirty="0"/>
-              <a:t>Questions</a:t>
+              <a:rPr lang="en-US" sz="2600" dirty="0"/>
+              <a:t>Know all your options for running background tasks</a:t>
+            </a:r>
+          </a:p>
+          <a:p>
+            <a:r>
+              <a:rPr lang="en-US" sz="2600" dirty="0"/>
+              <a:t>Why choose one over another</a:t>
             </a:r>
           </a:p>
         </p:txBody>
@@ -20058,7 +20331,7 @@
     </p:spTree>
     <p:extLst>
       <p:ext uri="{BB962C8B-B14F-4D97-AF65-F5344CB8AC3E}">
-        <p14:creationId xmlns:p14="http://schemas.microsoft.com/office/powerpoint/2010/main" val="249338707"/>
+        <p14:creationId xmlns:p14="http://schemas.microsoft.com/office/powerpoint/2010/main" val="1911303805"/>
       </p:ext>
     </p:extLst>
   </p:cSld>
@@ -20069,402 +20342,6 @@
 </file>
 
 <file path=ppt/slides/slide40.xml><?xml version="1.0" encoding="utf-8"?>
-<p:sld xmlns:a="http://schemas.openxmlformats.org/drawingml/2006/main" xmlns:r="http://schemas.openxmlformats.org/officeDocument/2006/relationships" xmlns:p="http://schemas.openxmlformats.org/presentationml/2006/main">
-  <p:cSld>
-    <p:spTree>
-      <p:nvGrpSpPr>
-        <p:cNvPr id="1" name="">
-          <a:extLst>
-            <a:ext uri="{FF2B5EF4-FFF2-40B4-BE49-F238E27FC236}">
-              <a16:creationId xmlns:a16="http://schemas.microsoft.com/office/drawing/2014/main" id="{C3AD6754-EAA4-F086-429B-3A10FA14E7BF}"/>
-            </a:ext>
-          </a:extLst>
-        </p:cNvPr>
-        <p:cNvGrpSpPr/>
-        <p:nvPr/>
-      </p:nvGrpSpPr>
-      <p:grpSpPr>
-        <a:xfrm>
-          <a:off x="0" y="0"/>
-          <a:ext cx="0" cy="0"/>
-          <a:chOff x="0" y="0"/>
-          <a:chExt cx="0" cy="0"/>
-        </a:xfrm>
-      </p:grpSpPr>
-      <p:sp>
-        <p:nvSpPr>
-          <p:cNvPr id="17410" name="Title 1">
-            <a:extLst>
-              <a:ext uri="{FF2B5EF4-FFF2-40B4-BE49-F238E27FC236}">
-                <a16:creationId xmlns:a16="http://schemas.microsoft.com/office/drawing/2014/main" id="{5E338B7D-DBA3-C793-4FA5-2EA7C9D68181}"/>
-              </a:ext>
-            </a:extLst>
-          </p:cNvPr>
-          <p:cNvSpPr>
-            <a:spLocks noGrp="1"/>
-          </p:cNvSpPr>
-          <p:nvPr>
-            <p:ph type="title"/>
-          </p:nvPr>
-        </p:nvSpPr>
-        <p:spPr>
-          <a:xfrm>
-            <a:off x="457200" y="205979"/>
-            <a:ext cx="9155360" cy="857250"/>
-          </a:xfrm>
-        </p:spPr>
-        <p:txBody>
-          <a:bodyPr/>
-          <a:lstStyle/>
-          <a:p>
-            <a:r>
-              <a:rPr lang="en-US" sz="4200" dirty="0">
-                <a:solidFill>
-                  <a:schemeClr val="tx1"/>
-                </a:solidFill>
-              </a:rPr>
-              <a:t>Takeaways</a:t>
-            </a:r>
-          </a:p>
-        </p:txBody>
-      </p:sp>
-      <p:sp>
-        <p:nvSpPr>
-          <p:cNvPr id="3" name="Content Placeholder 2">
-            <a:extLst>
-              <a:ext uri="{FF2B5EF4-FFF2-40B4-BE49-F238E27FC236}">
-                <a16:creationId xmlns:a16="http://schemas.microsoft.com/office/drawing/2014/main" id="{A469DE0F-36AA-F57A-A907-7E454D56FE11}"/>
-              </a:ext>
-            </a:extLst>
-          </p:cNvPr>
-          <p:cNvSpPr>
-            <a:spLocks noGrp="1"/>
-          </p:cNvSpPr>
-          <p:nvPr>
-            <p:ph idx="1"/>
-          </p:nvPr>
-        </p:nvSpPr>
-        <p:spPr>
-          <a:xfrm>
-            <a:off x="457200" y="1131590"/>
-            <a:ext cx="8435280" cy="3888432"/>
-          </a:xfrm>
-        </p:spPr>
-        <p:txBody>
-          <a:bodyPr>
-            <a:normAutofit/>
-          </a:bodyPr>
-          <a:lstStyle/>
-          <a:p>
-            <a:r>
-              <a:rPr lang="en-US" sz="2600" dirty="0"/>
-              <a:t>Awareness to all the options available to you</a:t>
-            </a:r>
-          </a:p>
-          <a:p>
-            <a:r>
-              <a:rPr lang="en-US" sz="2600" dirty="0"/>
-              <a:t>Awareness of the pro’s and con’s of the options</a:t>
-            </a:r>
-          </a:p>
-          <a:p>
-            <a:r>
-              <a:rPr lang="en-US" sz="2600" dirty="0"/>
-              <a:t>Make the best decision for you and your company</a:t>
-            </a:r>
-          </a:p>
-        </p:txBody>
-      </p:sp>
-    </p:spTree>
-    <p:extLst>
-      <p:ext uri="{BB962C8B-B14F-4D97-AF65-F5344CB8AC3E}">
-        <p14:creationId xmlns:p14="http://schemas.microsoft.com/office/powerpoint/2010/main" val="3277178324"/>
-      </p:ext>
-    </p:extLst>
-  </p:cSld>
-  <p:clrMapOvr>
-    <a:masterClrMapping/>
-  </p:clrMapOvr>
-  <p:timing>
-    <p:tnLst>
-      <p:par>
-        <p:cTn id="1" dur="indefinite" restart="never" nodeType="tmRoot">
-          <p:childTnLst>
-            <p:seq concurrent="1" nextAc="seek">
-              <p:cTn id="2" dur="indefinite" nodeType="mainSeq">
-                <p:childTnLst>
-                  <p:par>
-                    <p:cTn id="3" fill="hold">
-                      <p:stCondLst>
-                        <p:cond delay="indefinite"/>
-                      </p:stCondLst>
-                      <p:childTnLst>
-                        <p:par>
-                          <p:cTn id="4" fill="hold">
-                            <p:stCondLst>
-                              <p:cond delay="0"/>
-                            </p:stCondLst>
-                            <p:childTnLst>
-                              <p:par>
-                                <p:cTn id="5" presetID="10" presetClass="entr" presetSubtype="0" fill="hold" grpId="0" nodeType="clickEffect">
-                                  <p:stCondLst>
-                                    <p:cond delay="0"/>
-                                  </p:stCondLst>
-                                  <p:childTnLst>
-                                    <p:set>
-                                      <p:cBhvr>
-                                        <p:cTn id="6" dur="1" fill="hold">
-                                          <p:stCondLst>
-                                            <p:cond delay="0"/>
-                                          </p:stCondLst>
-                                        </p:cTn>
-                                        <p:tgtEl>
-                                          <p:spTgt spid="3">
-                                            <p:txEl>
-                                              <p:pRg st="0" end="0"/>
-                                            </p:txEl>
-                                          </p:spTgt>
-                                        </p:tgtEl>
-                                        <p:attrNameLst>
-                                          <p:attrName>style.visibility</p:attrName>
-                                        </p:attrNameLst>
-                                      </p:cBhvr>
-                                      <p:to>
-                                        <p:strVal val="visible"/>
-                                      </p:to>
-                                    </p:set>
-                                    <p:animEffect transition="in" filter="fade">
-                                      <p:cBhvr>
-                                        <p:cTn id="7" dur="500"/>
-                                        <p:tgtEl>
-                                          <p:spTgt spid="3">
-                                            <p:txEl>
-                                              <p:pRg st="0" end="0"/>
-                                            </p:txEl>
-                                          </p:spTgt>
-                                        </p:tgtEl>
-                                      </p:cBhvr>
-                                    </p:animEffect>
-                                  </p:childTnLst>
-                                  <p:subTnLst>
-                                    <p:animClr clrSpc="rgb" dir="cw">
-                                      <p:cBhvr override="childStyle">
-                                        <p:cTn dur="1" fill="hold" display="0" masterRel="nextClick" afterEffect="1"/>
-                                        <p:tgtEl>
-                                          <p:spTgt spid="3">
-                                            <p:txEl>
-                                              <p:pRg st="0" end="0"/>
-                                            </p:txEl>
-                                          </p:spTgt>
-                                        </p:tgtEl>
-                                        <p:attrNameLst>
-                                          <p:attrName>ppt_c</p:attrName>
-                                        </p:attrNameLst>
-                                      </p:cBhvr>
-                                      <p:to>
-                                        <a:srgbClr val="B2B2B2"/>
-                                      </p:to>
-                                    </p:animClr>
-                                  </p:subTnLst>
-                                </p:cTn>
-                              </p:par>
-                            </p:childTnLst>
-                          </p:cTn>
-                        </p:par>
-                      </p:childTnLst>
-                    </p:cTn>
-                  </p:par>
-                  <p:par>
-                    <p:cTn id="8" fill="hold">
-                      <p:stCondLst>
-                        <p:cond delay="indefinite"/>
-                      </p:stCondLst>
-                      <p:childTnLst>
-                        <p:par>
-                          <p:cTn id="9" fill="hold">
-                            <p:stCondLst>
-                              <p:cond delay="0"/>
-                            </p:stCondLst>
-                            <p:childTnLst>
-                              <p:par>
-                                <p:cTn id="10" presetID="10" presetClass="entr" presetSubtype="0" fill="hold" grpId="0" nodeType="clickEffect">
-                                  <p:stCondLst>
-                                    <p:cond delay="0"/>
-                                  </p:stCondLst>
-                                  <p:childTnLst>
-                                    <p:set>
-                                      <p:cBhvr>
-                                        <p:cTn id="11" dur="1" fill="hold">
-                                          <p:stCondLst>
-                                            <p:cond delay="0"/>
-                                          </p:stCondLst>
-                                        </p:cTn>
-                                        <p:tgtEl>
-                                          <p:spTgt spid="3">
-                                            <p:txEl>
-                                              <p:pRg st="1" end="1"/>
-                                            </p:txEl>
-                                          </p:spTgt>
-                                        </p:tgtEl>
-                                        <p:attrNameLst>
-                                          <p:attrName>style.visibility</p:attrName>
-                                        </p:attrNameLst>
-                                      </p:cBhvr>
-                                      <p:to>
-                                        <p:strVal val="visible"/>
-                                      </p:to>
-                                    </p:set>
-                                    <p:animEffect transition="in" filter="fade">
-                                      <p:cBhvr>
-                                        <p:cTn id="12" dur="500"/>
-                                        <p:tgtEl>
-                                          <p:spTgt spid="3">
-                                            <p:txEl>
-                                              <p:pRg st="1" end="1"/>
-                                            </p:txEl>
-                                          </p:spTgt>
-                                        </p:tgtEl>
-                                      </p:cBhvr>
-                                    </p:animEffect>
-                                  </p:childTnLst>
-                                  <p:subTnLst>
-                                    <p:animClr clrSpc="rgb" dir="cw">
-                                      <p:cBhvr override="childStyle">
-                                        <p:cTn dur="1" fill="hold" display="0" masterRel="nextClick" afterEffect="1"/>
-                                        <p:tgtEl>
-                                          <p:spTgt spid="3">
-                                            <p:txEl>
-                                              <p:pRg st="1" end="1"/>
-                                            </p:txEl>
-                                          </p:spTgt>
-                                        </p:tgtEl>
-                                        <p:attrNameLst>
-                                          <p:attrName>ppt_c</p:attrName>
-                                        </p:attrNameLst>
-                                      </p:cBhvr>
-                                      <p:to>
-                                        <a:srgbClr val="B2B2B2"/>
-                                      </p:to>
-                                    </p:animClr>
-                                  </p:subTnLst>
-                                </p:cTn>
-                              </p:par>
-                            </p:childTnLst>
-                          </p:cTn>
-                        </p:par>
-                      </p:childTnLst>
-                    </p:cTn>
-                  </p:par>
-                  <p:par>
-                    <p:cTn id="13" fill="hold">
-                      <p:stCondLst>
-                        <p:cond delay="indefinite"/>
-                      </p:stCondLst>
-                      <p:childTnLst>
-                        <p:par>
-                          <p:cTn id="14" fill="hold">
-                            <p:stCondLst>
-                              <p:cond delay="0"/>
-                            </p:stCondLst>
-                            <p:childTnLst>
-                              <p:par>
-                                <p:cTn id="15" presetID="10" presetClass="entr" presetSubtype="0" fill="hold" grpId="0" nodeType="clickEffect">
-                                  <p:stCondLst>
-                                    <p:cond delay="0"/>
-                                  </p:stCondLst>
-                                  <p:childTnLst>
-                                    <p:set>
-                                      <p:cBhvr>
-                                        <p:cTn id="16" dur="1" fill="hold">
-                                          <p:stCondLst>
-                                            <p:cond delay="0"/>
-                                          </p:stCondLst>
-                                        </p:cTn>
-                                        <p:tgtEl>
-                                          <p:spTgt spid="3">
-                                            <p:txEl>
-                                              <p:pRg st="2" end="2"/>
-                                            </p:txEl>
-                                          </p:spTgt>
-                                        </p:tgtEl>
-                                        <p:attrNameLst>
-                                          <p:attrName>style.visibility</p:attrName>
-                                        </p:attrNameLst>
-                                      </p:cBhvr>
-                                      <p:to>
-                                        <p:strVal val="visible"/>
-                                      </p:to>
-                                    </p:set>
-                                    <p:animEffect transition="in" filter="fade">
-                                      <p:cBhvr>
-                                        <p:cTn id="17" dur="500"/>
-                                        <p:tgtEl>
-                                          <p:spTgt spid="3">
-                                            <p:txEl>
-                                              <p:pRg st="2" end="2"/>
-                                            </p:txEl>
-                                          </p:spTgt>
-                                        </p:tgtEl>
-                                      </p:cBhvr>
-                                    </p:animEffect>
-                                  </p:childTnLst>
-                                  <p:subTnLst>
-                                    <p:animClr clrSpc="rgb" dir="cw">
-                                      <p:cBhvr override="childStyle">
-                                        <p:cTn dur="1" fill="hold" display="0" masterRel="nextClick" afterEffect="1"/>
-                                        <p:tgtEl>
-                                          <p:spTgt spid="3">
-                                            <p:txEl>
-                                              <p:pRg st="2" end="2"/>
-                                            </p:txEl>
-                                          </p:spTgt>
-                                        </p:tgtEl>
-                                        <p:attrNameLst>
-                                          <p:attrName>ppt_c</p:attrName>
-                                        </p:attrNameLst>
-                                      </p:cBhvr>
-                                      <p:to>
-                                        <a:srgbClr val="B2B2B2"/>
-                                      </p:to>
-                                    </p:animClr>
-                                  </p:subTnLst>
-                                </p:cTn>
-                              </p:par>
-                            </p:childTnLst>
-                          </p:cTn>
-                        </p:par>
-                      </p:childTnLst>
-                    </p:cTn>
-                  </p:par>
-                </p:childTnLst>
-              </p:cTn>
-              <p:prevCondLst>
-                <p:cond evt="onPrev" delay="0">
-                  <p:tgtEl>
-                    <p:sldTgt/>
-                  </p:tgtEl>
-                </p:cond>
-              </p:prevCondLst>
-              <p:nextCondLst>
-                <p:cond evt="onNext" delay="0">
-                  <p:tgtEl>
-                    <p:sldTgt/>
-                  </p:tgtEl>
-                </p:cond>
-              </p:nextCondLst>
-            </p:seq>
-          </p:childTnLst>
-        </p:cTn>
-      </p:par>
-    </p:tnLst>
-    <p:bldLst>
-      <p:bldP spid="3" grpId="0" build="p"/>
-    </p:bldLst>
-  </p:timing>
-</p:sld>
-</file>
-
-<file path=ppt/slides/slide41.xml><?xml version="1.0" encoding="utf-8"?>
 <p:sld xmlns:a="http://schemas.openxmlformats.org/drawingml/2006/main" xmlns:r="http://schemas.openxmlformats.org/officeDocument/2006/relationships" xmlns:p="http://schemas.openxmlformats.org/presentationml/2006/main">
   <p:cSld>
     <p:spTree>
@@ -20571,8 +20448,14 @@
           </a:p>
           <a:p>
             <a:r>
+              <a:rPr lang="en-US" sz="2600">
+                <a:hlinkClick r:id="rId4"/>
+              </a:rPr>
+              <a:t>https://github.com/scottsauber/talks</a:t>
+            </a:r>
+            <a:r>
               <a:rPr lang="en-US" sz="2600"/>
-              <a:t>https://github.com/scottsauber/talks</a:t>
+              <a:t> </a:t>
             </a:r>
           </a:p>
           <a:p>
@@ -20956,7 +20839,7 @@
 </p:sld>
 </file>
 
-<file path=ppt/slides/slide42.xml><?xml version="1.0" encoding="utf-8"?>
+<file path=ppt/slides/slide41.xml><?xml version="1.0" encoding="utf-8"?>
 <p:sld xmlns:a="http://schemas.openxmlformats.org/drawingml/2006/main" xmlns:r="http://schemas.openxmlformats.org/officeDocument/2006/relationships" xmlns:p="http://schemas.openxmlformats.org/presentationml/2006/main">
   <p:cSld>
     <p:spTree>
@@ -21053,8 +20936,8 @@
         </p:nvSpPr>
         <p:spPr>
           <a:xfrm>
-            <a:off x="-1" y="0"/>
-            <a:ext cx="9143999" cy="5143500"/>
+            <a:off x="-1" y="1347614"/>
+            <a:ext cx="9323514" cy="3795886"/>
           </a:xfrm>
         </p:spPr>
         <p:txBody>
@@ -21069,6 +20952,58 @@
                 </a:solidFill>
               </a:rPr>
               <a:t>Questions?</a:t>
+            </a:r>
+            <a:br>
+              <a:rPr lang="en-US" sz="7000" dirty="0">
+                <a:solidFill>
+                  <a:schemeClr val="bg1"/>
+                </a:solidFill>
+              </a:rPr>
+            </a:br>
+            <a:br>
+              <a:rPr lang="en-US" sz="2400" dirty="0">
+                <a:solidFill>
+                  <a:schemeClr val="bg1"/>
+                </a:solidFill>
+              </a:rPr>
+            </a:br>
+            <a:r>
+              <a:rPr lang="en-US" sz="1800" dirty="0">
+                <a:solidFill>
+                  <a:schemeClr val="bg1"/>
+                </a:solidFill>
+              </a:rPr>
+              <a:t>ssauber@leantechniques.com</a:t>
+            </a:r>
+            <a:br>
+              <a:rPr lang="en-US" sz="1800" dirty="0">
+                <a:solidFill>
+                  <a:schemeClr val="bg1"/>
+                </a:solidFill>
+              </a:rPr>
+            </a:br>
+            <a:r>
+              <a:rPr lang="en-US" sz="1800" dirty="0">
+                <a:solidFill>
+                  <a:schemeClr val="bg1"/>
+                </a:solidFill>
+              </a:rPr>
+              <a:t>@scottsauber on Twitter</a:t>
+            </a:r>
+            <a:br>
+              <a:rPr lang="en-US" sz="1800" dirty="0">
+                <a:solidFill>
+                  <a:schemeClr val="bg1"/>
+                </a:solidFill>
+              </a:rPr>
+            </a:br>
+            <a:r>
+              <a:rPr lang="en-US" sz="1800" dirty="0">
+                <a:solidFill>
+                  <a:schemeClr val="bg1"/>
+                </a:solidFill>
+              </a:rPr>
+              <a:t>@scottsauber.com on Bluesky</a:t>
             </a:r>
           </a:p>
         </p:txBody>
@@ -21086,7 +21021,7 @@
 </p:sld>
 </file>
 
-<file path=ppt/slides/slide43.xml><?xml version="1.0" encoding="utf-8"?>
+<file path=ppt/slides/slide42.xml><?xml version="1.0" encoding="utf-8"?>
 <p:sld xmlns:a="http://schemas.openxmlformats.org/drawingml/2006/main" xmlns:r="http://schemas.openxmlformats.org/officeDocument/2006/relationships" xmlns:p="http://schemas.openxmlformats.org/presentationml/2006/main">
   <p:cSld>
     <p:spTree>
@@ -21230,115 +21165,6 @@
 </file>
 
 <file path=ppt/slides/slide5.xml><?xml version="1.0" encoding="utf-8"?>
-<p:sld xmlns:a="http://schemas.openxmlformats.org/drawingml/2006/main" xmlns:r="http://schemas.openxmlformats.org/officeDocument/2006/relationships" xmlns:p="http://schemas.openxmlformats.org/presentationml/2006/main">
-  <p:cSld>
-    <p:spTree>
-      <p:nvGrpSpPr>
-        <p:cNvPr id="1" name="">
-          <a:extLst>
-            <a:ext uri="{FF2B5EF4-FFF2-40B4-BE49-F238E27FC236}">
-              <a16:creationId xmlns:a16="http://schemas.microsoft.com/office/drawing/2014/main" id="{6B464CED-69D3-1C53-846D-D97A1BCA6985}"/>
-            </a:ext>
-          </a:extLst>
-        </p:cNvPr>
-        <p:cNvGrpSpPr/>
-        <p:nvPr/>
-      </p:nvGrpSpPr>
-      <p:grpSpPr>
-        <a:xfrm>
-          <a:off x="0" y="0"/>
-          <a:ext cx="0" cy="0"/>
-          <a:chOff x="0" y="0"/>
-          <a:chExt cx="0" cy="0"/>
-        </a:xfrm>
-      </p:grpSpPr>
-      <p:sp>
-        <p:nvSpPr>
-          <p:cNvPr id="17410" name="Title 1">
-            <a:extLst>
-              <a:ext uri="{FF2B5EF4-FFF2-40B4-BE49-F238E27FC236}">
-                <a16:creationId xmlns:a16="http://schemas.microsoft.com/office/drawing/2014/main" id="{EDC82A97-6766-B8D0-F025-588340DEF0BB}"/>
-              </a:ext>
-            </a:extLst>
-          </p:cNvPr>
-          <p:cNvSpPr>
-            <a:spLocks noGrp="1"/>
-          </p:cNvSpPr>
-          <p:nvPr>
-            <p:ph type="title"/>
-          </p:nvPr>
-        </p:nvSpPr>
-        <p:spPr/>
-        <p:txBody>
-          <a:bodyPr/>
-          <a:lstStyle/>
-          <a:p>
-            <a:r>
-              <a:rPr lang="en-US" dirty="0">
-                <a:solidFill>
-                  <a:schemeClr val="tx1"/>
-                </a:solidFill>
-              </a:rPr>
-              <a:t>Goals</a:t>
-            </a:r>
-          </a:p>
-        </p:txBody>
-      </p:sp>
-      <p:sp>
-        <p:nvSpPr>
-          <p:cNvPr id="3" name="Content Placeholder 2">
-            <a:extLst>
-              <a:ext uri="{FF2B5EF4-FFF2-40B4-BE49-F238E27FC236}">
-                <a16:creationId xmlns:a16="http://schemas.microsoft.com/office/drawing/2014/main" id="{1A3827D5-99D5-9073-43CF-3CE3F651C6C2}"/>
-              </a:ext>
-            </a:extLst>
-          </p:cNvPr>
-          <p:cNvSpPr>
-            <a:spLocks noGrp="1"/>
-          </p:cNvSpPr>
-          <p:nvPr>
-            <p:ph idx="1"/>
-          </p:nvPr>
-        </p:nvSpPr>
-        <p:spPr>
-          <a:xfrm>
-            <a:off x="457200" y="1131590"/>
-            <a:ext cx="8229600" cy="3888432"/>
-          </a:xfrm>
-        </p:spPr>
-        <p:txBody>
-          <a:bodyPr>
-            <a:normAutofit/>
-          </a:bodyPr>
-          <a:lstStyle/>
-          <a:p>
-            <a:r>
-              <a:rPr lang="en-US" sz="2600" dirty="0"/>
-              <a:t>Know all your options for running background tasks</a:t>
-            </a:r>
-          </a:p>
-          <a:p>
-            <a:r>
-              <a:rPr lang="en-US" sz="2600" dirty="0"/>
-              <a:t>Why choose one over another</a:t>
-            </a:r>
-          </a:p>
-        </p:txBody>
-      </p:sp>
-    </p:spTree>
-    <p:extLst>
-      <p:ext uri="{BB962C8B-B14F-4D97-AF65-F5344CB8AC3E}">
-        <p14:creationId xmlns:p14="http://schemas.microsoft.com/office/powerpoint/2010/main" val="1911303805"/>
-      </p:ext>
-    </p:extLst>
-  </p:cSld>
-  <p:clrMapOvr>
-    <a:masterClrMapping/>
-  </p:clrMapOvr>
-</p:sld>
-</file>
-
-<file path=ppt/slides/slide6.xml><?xml version="1.0" encoding="utf-8"?>
 <p:sld xmlns:a="http://schemas.openxmlformats.org/drawingml/2006/main" xmlns:r="http://schemas.openxmlformats.org/officeDocument/2006/relationships" xmlns:p="http://schemas.openxmlformats.org/presentationml/2006/main">
   <p:cSld>
     <p:spTree>
@@ -22303,7 +22129,7 @@
 </p:sld>
 </file>
 
-<file path=ppt/slides/slide7.xml><?xml version="1.0" encoding="utf-8"?>
+<file path=ppt/slides/slide6.xml><?xml version="1.0" encoding="utf-8"?>
 <p:sld xmlns:a="http://schemas.openxmlformats.org/drawingml/2006/main" xmlns:r="http://schemas.openxmlformats.org/officeDocument/2006/relationships" xmlns:p="http://schemas.openxmlformats.org/presentationml/2006/main">
   <p:cSld>
     <p:spTree>
@@ -22781,7 +22607,7 @@
 </p:sld>
 </file>
 
-<file path=ppt/slides/slide8.xml><?xml version="1.0" encoding="utf-8"?>
+<file path=ppt/slides/slide7.xml><?xml version="1.0" encoding="utf-8"?>
 <p:sld xmlns:a="http://schemas.openxmlformats.org/drawingml/2006/main" xmlns:r="http://schemas.openxmlformats.org/officeDocument/2006/relationships" xmlns:p="http://schemas.openxmlformats.org/presentationml/2006/main">
   <p:cSld>
     <p:spTree>
@@ -23350,7 +23176,7 @@
 </p:sld>
 </file>
 
-<file path=ppt/slides/slide9.xml><?xml version="1.0" encoding="utf-8"?>
+<file path=ppt/slides/slide8.xml><?xml version="1.0" encoding="utf-8"?>
 <p:sld xmlns:a="http://schemas.openxmlformats.org/drawingml/2006/main" xmlns:r="http://schemas.openxmlformats.org/officeDocument/2006/relationships" xmlns:p="http://schemas.openxmlformats.org/presentationml/2006/main">
   <p:cSld>
     <p:spTree>
@@ -23517,6 +23343,218 @@
     <p:extLst>
       <p:ext uri="{BB962C8B-B14F-4D97-AF65-F5344CB8AC3E}">
         <p14:creationId xmlns:p14="http://schemas.microsoft.com/office/powerpoint/2010/main" val="2537109964"/>
+      </p:ext>
+    </p:extLst>
+  </p:cSld>
+  <p:clrMapOvr>
+    <a:masterClrMapping/>
+  </p:clrMapOvr>
+</p:sld>
+</file>
+
+<file path=ppt/slides/slide9.xml><?xml version="1.0" encoding="utf-8"?>
+<p:sld xmlns:a="http://schemas.openxmlformats.org/drawingml/2006/main" xmlns:r="http://schemas.openxmlformats.org/officeDocument/2006/relationships" xmlns:p="http://schemas.openxmlformats.org/presentationml/2006/main">
+  <p:cSld>
+    <p:spTree>
+      <p:nvGrpSpPr>
+        <p:cNvPr id="1" name="">
+          <a:extLst>
+            <a:ext uri="{FF2B5EF4-FFF2-40B4-BE49-F238E27FC236}">
+              <a16:creationId xmlns:a16="http://schemas.microsoft.com/office/drawing/2014/main" id="{96506B8F-D605-D6D9-3777-F5E685FF33D4}"/>
+            </a:ext>
+          </a:extLst>
+        </p:cNvPr>
+        <p:cNvGrpSpPr/>
+        <p:nvPr/>
+      </p:nvGrpSpPr>
+      <p:grpSpPr>
+        <a:xfrm>
+          <a:off x="0" y="0"/>
+          <a:ext cx="0" cy="0"/>
+          <a:chOff x="0" y="0"/>
+          <a:chExt cx="0" cy="0"/>
+        </a:xfrm>
+      </p:grpSpPr>
+      <p:pic>
+        <p:nvPicPr>
+          <p:cNvPr id="2" name="Picture 1" descr="Texas Cowboy Cookies - Rachel Hollis">
+            <a:extLst>
+              <a:ext uri="{FF2B5EF4-FFF2-40B4-BE49-F238E27FC236}">
+                <a16:creationId xmlns:a16="http://schemas.microsoft.com/office/drawing/2014/main" id="{EDDB96B5-168F-0365-CFF8-E2EDBFFDA239}"/>
+              </a:ext>
+            </a:extLst>
+          </p:cNvPr>
+          <p:cNvPicPr>
+            <a:picLocks noChangeAspect="1" noChangeArrowheads="1"/>
+          </p:cNvPicPr>
+          <p:nvPr/>
+        </p:nvPicPr>
+        <p:blipFill>
+          <a:blip r:embed="rId2">
+            <a:extLst>
+              <a:ext uri="{28A0092B-C50C-407E-A947-70E740481C1C}">
+                <a14:useLocalDpi xmlns:a14="http://schemas.microsoft.com/office/drawing/2010/main" val="0"/>
+              </a:ext>
+            </a:extLst>
+          </a:blip>
+          <a:srcRect/>
+          <a:stretch>
+            <a:fillRect/>
+          </a:stretch>
+        </p:blipFill>
+        <p:spPr bwMode="auto">
+          <a:xfrm>
+            <a:off x="-1" y="-1"/>
+            <a:ext cx="9144001" cy="5143501"/>
+          </a:xfrm>
+          <a:prstGeom prst="rect">
+            <a:avLst/>
+          </a:prstGeom>
+          <a:noFill/>
+          <a:extLst>
+            <a:ext uri="{909E8E84-426E-40DD-AFC4-6F175D3DCCD1}">
+              <a14:hiddenFill xmlns:a14="http://schemas.microsoft.com/office/drawing/2010/main">
+                <a:solidFill>
+                  <a:srgbClr val="FFFFFF"/>
+                </a:solidFill>
+              </a14:hiddenFill>
+            </a:ext>
+          </a:extLst>
+        </p:spPr>
+      </p:pic>
+      <p:sp>
+        <p:nvSpPr>
+          <p:cNvPr id="6" name="Rectangle 5">
+            <a:extLst>
+              <a:ext uri="{FF2B5EF4-FFF2-40B4-BE49-F238E27FC236}">
+                <a16:creationId xmlns:a16="http://schemas.microsoft.com/office/drawing/2014/main" id="{D13DEA65-4758-5FF6-A3C3-36F8B2D03A1B}"/>
+              </a:ext>
+            </a:extLst>
+          </p:cNvPr>
+          <p:cNvSpPr/>
+          <p:nvPr/>
+        </p:nvSpPr>
+        <p:spPr>
+          <a:xfrm>
+            <a:off x="-4" y="-4696"/>
+            <a:ext cx="9144001" cy="5143500"/>
+          </a:xfrm>
+          <a:prstGeom prst="rect">
+            <a:avLst/>
+          </a:prstGeom>
+          <a:solidFill>
+            <a:schemeClr val="tx1">
+              <a:lumMod val="65000"/>
+              <a:lumOff val="35000"/>
+              <a:alpha val="74902"/>
+            </a:schemeClr>
+          </a:solidFill>
+          <a:ln>
+            <a:noFill/>
+          </a:ln>
+        </p:spPr>
+        <p:style>
+          <a:lnRef idx="2">
+            <a:schemeClr val="accent1">
+              <a:shade val="50000"/>
+            </a:schemeClr>
+          </a:lnRef>
+          <a:fillRef idx="1">
+            <a:schemeClr val="accent1"/>
+          </a:fillRef>
+          <a:effectRef idx="0">
+            <a:schemeClr val="accent1"/>
+          </a:effectRef>
+          <a:fontRef idx="minor">
+            <a:schemeClr val="lt1"/>
+          </a:fontRef>
+        </p:style>
+        <p:txBody>
+          <a:bodyPr rtlCol="0" anchor="ctr"/>
+          <a:lstStyle/>
+          <a:p>
+            <a:pPr algn="ctr"/>
+            <a:endParaRPr lang="en-GB"/>
+          </a:p>
+        </p:txBody>
+      </p:sp>
+      <p:sp>
+        <p:nvSpPr>
+          <p:cNvPr id="17410" name="Title 1">
+            <a:extLst>
+              <a:ext uri="{FF2B5EF4-FFF2-40B4-BE49-F238E27FC236}">
+                <a16:creationId xmlns:a16="http://schemas.microsoft.com/office/drawing/2014/main" id="{832D56AD-A160-6EB0-75D5-4D017E58B610}"/>
+              </a:ext>
+            </a:extLst>
+          </p:cNvPr>
+          <p:cNvSpPr>
+            <a:spLocks noGrp="1"/>
+          </p:cNvSpPr>
+          <p:nvPr>
+            <p:ph type="title"/>
+          </p:nvPr>
+        </p:nvSpPr>
+        <p:spPr>
+          <a:xfrm>
+            <a:off x="-1" y="0"/>
+            <a:ext cx="9143999" cy="5143500"/>
+          </a:xfrm>
+        </p:spPr>
+        <p:txBody>
+          <a:bodyPr/>
+          <a:lstStyle/>
+          <a:p>
+            <a:pPr algn="ctr"/>
+            <a:r>
+              <a:rPr lang="en-US" sz="7000" dirty="0" err="1">
+                <a:solidFill>
+                  <a:schemeClr val="bg1"/>
+                </a:solidFill>
+              </a:rPr>
+              <a:t>IHostedService</a:t>
+            </a:r>
+            <a:br>
+              <a:rPr lang="en-US" sz="7000" dirty="0">
+                <a:solidFill>
+                  <a:schemeClr val="bg1"/>
+                </a:solidFill>
+              </a:rPr>
+            </a:br>
+            <a:r>
+              <a:rPr lang="en-US" sz="4000" dirty="0">
+                <a:solidFill>
+                  <a:schemeClr val="bg1"/>
+                </a:solidFill>
+              </a:rPr>
+              <a:t>“Make your own recipe”</a:t>
+            </a:r>
+            <a:br>
+              <a:rPr lang="en-US" sz="4000" dirty="0">
+                <a:solidFill>
+                  <a:schemeClr val="bg1"/>
+                </a:solidFill>
+              </a:rPr>
+            </a:br>
+            <a:r>
+              <a:rPr lang="en-US" sz="4000" dirty="0">
+                <a:solidFill>
+                  <a:schemeClr val="bg1"/>
+                </a:solidFill>
+              </a:rPr>
+              <a:t>(Cookie jar included)</a:t>
+            </a:r>
+            <a:endParaRPr lang="en-US" sz="7000" dirty="0">
+              <a:solidFill>
+                <a:schemeClr val="bg1"/>
+              </a:solidFill>
+            </a:endParaRPr>
+          </a:p>
+        </p:txBody>
+      </p:sp>
+    </p:spTree>
+    <p:extLst>
+      <p:ext uri="{BB962C8B-B14F-4D97-AF65-F5344CB8AC3E}">
+        <p14:creationId xmlns:p14="http://schemas.microsoft.com/office/powerpoint/2010/main" val="4025921184"/>
       </p:ext>
     </p:extLst>
   </p:cSld>
